--- a/terraform/slides/delivery/02__terraform-intro.pptx
+++ b/terraform/slides/delivery/02__terraform-intro.pptx
@@ -1,37 +1,36 @@
 
 <file path=ppt/presentation.xml><?xml version="1.0" encoding="utf-8"?>
-<p:presentation xmlns:a="http://schemas.openxmlformats.org/drawingml/2006/main" xmlns:r="http://schemas.openxmlformats.org/officeDocument/2006/relationships" xmlns:p="http://schemas.openxmlformats.org/presentationml/2006/main" showSpecialPlsOnTitleSld="0" saveSubsetFonts="1" autoCompressPictures="0">
+<p:presentation xmlns:a="http://schemas.openxmlformats.org/drawingml/2006/main" xmlns:r="http://schemas.openxmlformats.org/officeDocument/2006/relationships" xmlns:p="http://schemas.openxmlformats.org/presentationml/2006/main" showSpecialPlsOnTitleSld="0" autoCompressPictures="0">
   <p:sldMasterIdLst>
-    <p:sldMasterId id="2147483651" r:id="rId1"/>
+    <p:sldMasterId id="2147483648" r:id="rId1"/>
   </p:sldMasterIdLst>
   <p:notesMasterIdLst>
-    <p:notesMasterId r:id="rId2"/>
+    <p:notesMasterId r:id="rId17"/>
   </p:notesMasterIdLst>
   <p:handoutMasterIdLst>
-    <p:handoutMasterId r:id="rId3"/>
+    <p:handoutMasterId r:id="rId22"/>
   </p:handoutMasterIdLst>
   <p:sldIdLst>
-    <p:sldId id="256" r:id="rId9"/>
-    <p:sldId id="257" r:id="rId10"/>
-    <p:sldId id="258" r:id="rId11"/>
-    <p:sldId id="259" r:id="rId12"/>
-    <p:sldId id="260" r:id="rId13"/>
-    <p:sldId id="261" r:id="rId14"/>
-    <p:sldId id="262" r:id="rId15"/>
-    <p:sldId id="263" r:id="rId16"/>
-    <p:sldId id="264" r:id="rId17"/>
-    <p:sldId id="265" r:id="rId18"/>
-    <p:sldId id="266" r:id="rId19"/>
-    <p:sldId id="267" r:id="rId20"/>
-    <p:sldId id="268" r:id="rId21"/>
-    <p:sldId id="269" r:id="rId22"/>
-    <p:sldId id="270" r:id="rId23"/>
-    <p:sldId id="271" r:id="rId24"/>
-    <p:sldId id="272" r:id="rId25"/>
-    <p:sldId id="273" r:id="rId26"/>
-    <p:sldId id="274" r:id="rId27"/>
+    <p:sldId id="256" r:id="rId3"/>
+    <p:sldId id="257" r:id="rId4"/>
+    <p:sldId id="258" r:id="rId5"/>
+    <p:sldId id="259" r:id="rId6"/>
+    <p:sldId id="260" r:id="rId7"/>
+    <p:sldId id="261" r:id="rId8"/>
+    <p:sldId id="262" r:id="rId9"/>
+    <p:sldId id="264" r:id="rId10"/>
+    <p:sldId id="265" r:id="rId11"/>
+    <p:sldId id="266" r:id="rId12"/>
+    <p:sldId id="267" r:id="rId13"/>
+    <p:sldId id="268" r:id="rId14"/>
+    <p:sldId id="269" r:id="rId15"/>
+    <p:sldId id="270" r:id="rId16"/>
+    <p:sldId id="271" r:id="rId18"/>
+    <p:sldId id="272" r:id="rId19"/>
+    <p:sldId id="273" r:id="rId20"/>
+    <p:sldId id="274" r:id="rId21"/>
   </p:sldIdLst>
-  <p:sldSz cx="9372600" cy="8297863"/>
+  <p:sldSz cx="9372600" cy="8297545"/>
   <p:notesSz cx="7315200" cy="9601200"/>
   <p:defaultTextStyle>
     <a:defPPr>
@@ -49,8 +48,8 @@
           <a:schemeClr val="tx1"/>
         </a:solidFill>
         <a:latin typeface="Garamond" pitchFamily="18" charset="0"/>
-        <a:ea typeface="ＭＳ Ｐゴシック"/>
-        <a:cs typeface="ＭＳ Ｐゴシック"/>
+        <a:ea typeface="MS PGothic"/>
+        <a:cs typeface="MS PGothic"/>
       </a:defRPr>
     </a:lvl1pPr>
     <a:lvl2pPr marL="457200" algn="l" rtl="0" fontAlgn="base">
@@ -65,8 +64,8 @@
           <a:schemeClr val="tx1"/>
         </a:solidFill>
         <a:latin typeface="Garamond" pitchFamily="18" charset="0"/>
-        <a:ea typeface="ＭＳ Ｐゴシック"/>
-        <a:cs typeface="ＭＳ Ｐゴシック"/>
+        <a:ea typeface="MS PGothic"/>
+        <a:cs typeface="MS PGothic"/>
       </a:defRPr>
     </a:lvl2pPr>
     <a:lvl3pPr marL="914400" algn="l" rtl="0" fontAlgn="base">
@@ -81,8 +80,8 @@
           <a:schemeClr val="tx1"/>
         </a:solidFill>
         <a:latin typeface="Garamond" pitchFamily="18" charset="0"/>
-        <a:ea typeface="ＭＳ Ｐゴシック"/>
-        <a:cs typeface="ＭＳ Ｐゴシック"/>
+        <a:ea typeface="MS PGothic"/>
+        <a:cs typeface="MS PGothic"/>
       </a:defRPr>
     </a:lvl3pPr>
     <a:lvl4pPr marL="1371600" algn="l" rtl="0" fontAlgn="base">
@@ -97,8 +96,8 @@
           <a:schemeClr val="tx1"/>
         </a:solidFill>
         <a:latin typeface="Garamond" pitchFamily="18" charset="0"/>
-        <a:ea typeface="ＭＳ Ｐゴシック"/>
-        <a:cs typeface="ＭＳ Ｐゴシック"/>
+        <a:ea typeface="MS PGothic"/>
+        <a:cs typeface="MS PGothic"/>
       </a:defRPr>
     </a:lvl4pPr>
     <a:lvl5pPr marL="1828800" algn="l" rtl="0" fontAlgn="base">
@@ -113,8 +112,8 @@
           <a:schemeClr val="tx1"/>
         </a:solidFill>
         <a:latin typeface="Garamond" pitchFamily="18" charset="0"/>
-        <a:ea typeface="ＭＳ Ｐゴシック"/>
-        <a:cs typeface="ＭＳ Ｐゴシック"/>
+        <a:ea typeface="MS PGothic"/>
+        <a:cs typeface="MS PGothic"/>
       </a:defRPr>
     </a:lvl5pPr>
     <a:lvl6pPr marL="2286000" algn="l" defTabSz="914400" rtl="0" eaLnBrk="1" latinLnBrk="0" hangingPunct="1">
@@ -123,8 +122,8 @@
           <a:schemeClr val="tx1"/>
         </a:solidFill>
         <a:latin typeface="Garamond" pitchFamily="18" charset="0"/>
-        <a:ea typeface="ＭＳ Ｐゴシック"/>
-        <a:cs typeface="ＭＳ Ｐゴシック"/>
+        <a:ea typeface="MS PGothic"/>
+        <a:cs typeface="MS PGothic"/>
       </a:defRPr>
     </a:lvl6pPr>
     <a:lvl7pPr marL="2743200" algn="l" defTabSz="914400" rtl="0" eaLnBrk="1" latinLnBrk="0" hangingPunct="1">
@@ -133,8 +132,8 @@
           <a:schemeClr val="tx1"/>
         </a:solidFill>
         <a:latin typeface="Garamond" pitchFamily="18" charset="0"/>
-        <a:ea typeface="ＭＳ Ｐゴシック"/>
-        <a:cs typeface="ＭＳ Ｐゴシック"/>
+        <a:ea typeface="MS PGothic"/>
+        <a:cs typeface="MS PGothic"/>
       </a:defRPr>
     </a:lvl7pPr>
     <a:lvl8pPr marL="3200400" algn="l" defTabSz="914400" rtl="0" eaLnBrk="1" latinLnBrk="0" hangingPunct="1">
@@ -143,8 +142,8 @@
           <a:schemeClr val="tx1"/>
         </a:solidFill>
         <a:latin typeface="Garamond" pitchFamily="18" charset="0"/>
-        <a:ea typeface="ＭＳ Ｐゴシック"/>
-        <a:cs typeface="ＭＳ Ｐゴシック"/>
+        <a:ea typeface="MS PGothic"/>
+        <a:cs typeface="MS PGothic"/>
       </a:defRPr>
     </a:lvl8pPr>
     <a:lvl9pPr marL="3657600" algn="l" defTabSz="914400" rtl="0" eaLnBrk="1" latinLnBrk="0" hangingPunct="1">
@@ -153,41 +152,11 @@
           <a:schemeClr val="tx1"/>
         </a:solidFill>
         <a:latin typeface="Garamond" pitchFamily="18" charset="0"/>
-        <a:ea typeface="ＭＳ Ｐゴシック"/>
-        <a:cs typeface="ＭＳ Ｐゴシック"/>
+        <a:ea typeface="MS PGothic"/>
+        <a:cs typeface="MS PGothic"/>
       </a:defRPr>
     </a:lvl9pPr>
   </p:defaultTextStyle>
-  <p:extLst>
-    <p:ext uri="{EFAFB233-063F-42B5-8137-9DF3F51BA10A}">
-      <p15:sldGuideLst xmlns:p15="http://schemas.microsoft.com/office/powerpoint/2012/main">
-        <p15:guide id="1" orient="horz" pos="2614" userDrawn="1">
-          <p15:clr>
-            <a:srgbClr val="A4A3A4"/>
-          </p15:clr>
-        </p15:guide>
-        <p15:guide id="2" pos="2952" userDrawn="1">
-          <p15:clr>
-            <a:srgbClr val="A4A3A4"/>
-          </p15:clr>
-        </p15:guide>
-      </p15:sldGuideLst>
-    </p:ext>
-    <p:ext uri="{2D200454-40CA-4A62-9FC3-DE9A4176ACB9}">
-      <p15:notesGuideLst xmlns:p15="http://schemas.microsoft.com/office/powerpoint/2012/main">
-        <p15:guide id="1" orient="horz" pos="3024">
-          <p15:clr>
-            <a:srgbClr val="A4A3A4"/>
-          </p15:clr>
-        </p15:guide>
-        <p15:guide id="2" pos="2308">
-          <p15:clr>
-            <a:srgbClr val="A4A3A4"/>
-          </p15:clr>
-        </p15:guide>
-      </p15:notesGuideLst>
-    </p:ext>
-  </p:extLst>
 </p:presentation>
 </file>
 
@@ -197,9 +166,7 @@
   <p:cmAuthor id="2" name="Mark Kerzner" initials="MK" lastIdx="6" clrIdx="1"/>
   <p:cmAuthor id="3" name="Mary Beth Conlee" initials="MBC" lastIdx="7" clrIdx="2"/>
   <p:cmAuthor id="4" name="Michelle" initials="M" lastIdx="5" clrIdx="3"/>
-  <p:cmAuthor id="5" name="Tricia Murphy" initials="TM" lastIdx="4" clrIdx="4">
-    <p:extLst/>
-  </p:cmAuthor>
+  <p:cmAuthor id="5" name="Tricia Murphy" initials="TM" lastIdx="4" clrIdx="4"/>
 </p:cmAuthorLst>
 </file>
 
@@ -232,7 +199,7 @@
         <p:nvSpPr>
           <p:cNvPr id="1028" name="Rectangle 4"/>
           <p:cNvSpPr>
-            <a:spLocks noGrp="1" noChangeArrowheads="1"/>
+            <a:spLocks noGrp="true" noChangeArrowheads="true"/>
           </p:cNvSpPr>
           <p:nvPr>
             <p:ph type="ftr" sz="quarter" idx="2"/>
@@ -250,20 +217,14 @@
           <a:ln w="9525">
             <a:noFill/>
             <a:miter lim="800000"/>
-            <a:headEnd/>
-            <a:tailEnd/>
           </a:ln>
         </p:spPr>
         <p:txBody>
-          <a:bodyPr vert="horz" wrap="square" lIns="96603" tIns="48303" rIns="96603" bIns="48303" numCol="1" anchor="b" anchorCtr="0" compatLnSpc="1">
-            <a:prstTxWarp prst="textNoShape">
-              <a:avLst/>
-            </a:prstTxWarp>
-          </a:bodyPr>
+          <a:bodyPr vert="horz" wrap="square" lIns="96603" tIns="48303" rIns="96603" bIns="48303" numCol="1" anchor="b" anchorCtr="false" compatLnSpc="true"/>
           <a:lstStyle>
             <a:lvl1pPr defTabSz="965200">
               <a:defRPr sz="1200">
-                <a:latin typeface="Times New Roman" pitchFamily="18" charset="0"/>
+                <a:latin typeface="Times New Roman" panose="02020603050405020304" charset="0"/>
               </a:defRPr>
             </a:lvl1pPr>
           </a:lstStyle>
@@ -275,6 +236,7 @@
               <a:rPr lang="en-US" dirty="0"/>
               <a:t>Copyright © 2017 Elephant Scale. All rights reserved.</a:t>
             </a:r>
+            <a:endParaRPr lang="en-US" dirty="0"/>
           </a:p>
         </p:txBody>
       </p:sp>
@@ -282,7 +244,7 @@
         <p:nvSpPr>
           <p:cNvPr id="1029" name="Rectangle 5"/>
           <p:cNvSpPr>
-            <a:spLocks noGrp="1" noChangeArrowheads="1"/>
+            <a:spLocks noGrp="true" noChangeArrowheads="true"/>
           </p:cNvSpPr>
           <p:nvPr>
             <p:ph type="sldNum" sz="quarter" idx="3"/>
@@ -300,20 +262,14 @@
           <a:ln w="9525">
             <a:noFill/>
             <a:miter lim="800000"/>
-            <a:headEnd/>
-            <a:tailEnd/>
           </a:ln>
         </p:spPr>
         <p:txBody>
-          <a:bodyPr vert="horz" wrap="square" lIns="96603" tIns="48303" rIns="96603" bIns="48303" numCol="1" anchor="b" anchorCtr="0" compatLnSpc="1">
-            <a:prstTxWarp prst="textNoShape">
-              <a:avLst/>
-            </a:prstTxWarp>
-          </a:bodyPr>
+          <a:bodyPr vert="horz" wrap="square" lIns="96603" tIns="48303" rIns="96603" bIns="48303" numCol="1" anchor="b" anchorCtr="false" compatLnSpc="true"/>
           <a:lstStyle>
             <a:lvl1pPr algn="r" defTabSz="965200">
               <a:defRPr sz="1200">
-                <a:latin typeface="Times New Roman" pitchFamily="18" charset="0"/>
+                <a:latin typeface="Times New Roman" panose="02020603050405020304" charset="0"/>
               </a:defRPr>
             </a:lvl1pPr>
           </a:lstStyle>
@@ -323,21 +279,12 @@
             </a:pPr>
             <a:fld id="{97E62689-8C7D-4291-A094-4E689FEC4C3B}" type="slidenum">
               <a:rPr lang="en-US"/>
-              <a:pPr>
-                <a:defRPr/>
-              </a:pPr>
-              <a:t>‹#›</a:t>
             </a:fld>
             <a:endParaRPr lang="en-US" dirty="0"/>
           </a:p>
         </p:txBody>
       </p:sp>
     </p:spTree>
-    <p:extLst>
-      <p:ext uri="{BB962C8B-B14F-4D97-AF65-F5344CB8AC3E}">
-        <p14:creationId xmlns:p14="http://schemas.microsoft.com/office/powerpoint/2010/main" val="3239291525"/>
-      </p:ext>
-    </p:extLst>
   </p:cSld>
   <p:clrMap bg1="lt1" tx1="dk1" bg2="lt2" tx2="dk2" accent1="accent1" accent2="accent2" accent3="accent3" accent4="accent4" accent5="accent5" accent6="accent6" hlink="hlink" folHlink="folHlink"/>
   <p:hf hdr="0" ftr="0" dt="0"/>
@@ -373,7 +320,7 @@
         <p:nvSpPr>
           <p:cNvPr id="6146" name="Rectangle 4"/>
           <p:cNvSpPr>
-            <a:spLocks noGrp="1" noRot="1" noChangeAspect="1" noChangeArrowheads="1" noTextEdit="1"/>
+            <a:spLocks noGrp="true" noRot="true" noChangeAspect="true" noChangeArrowheads="true" noTextEdit="true"/>
           </p:cNvSpPr>
           <p:nvPr>
             <p:ph type="sldImg" idx="2"/>
@@ -393,8 +340,6 @@
               <a:srgbClr val="000000"/>
             </a:solidFill>
             <a:miter lim="800000"/>
-            <a:headEnd/>
-            <a:tailEnd/>
           </a:ln>
         </p:spPr>
       </p:sp>
@@ -402,7 +347,7 @@
         <p:nvSpPr>
           <p:cNvPr id="438280" name="Rectangle 8"/>
           <p:cNvSpPr>
-            <a:spLocks noGrp="1" noChangeArrowheads="1"/>
+            <a:spLocks noGrp="true" noChangeArrowheads="true"/>
           </p:cNvSpPr>
           <p:nvPr>
             <p:ph type="ftr" sz="quarter" idx="4"/>
@@ -420,21 +365,15 @@
           <a:ln w="9525">
             <a:noFill/>
             <a:miter lim="800000"/>
-            <a:headEnd/>
-            <a:tailEnd/>
           </a:ln>
           <a:effectLst/>
         </p:spPr>
         <p:txBody>
-          <a:bodyPr vert="horz" wrap="square" lIns="0" tIns="0" rIns="0" bIns="0" numCol="1" anchor="b" anchorCtr="1" compatLnSpc="1">
-            <a:prstTxWarp prst="textNoShape">
-              <a:avLst/>
-            </a:prstTxWarp>
-          </a:bodyPr>
+          <a:bodyPr vert="horz" wrap="square" lIns="0" tIns="0" rIns="0" bIns="0" numCol="1" anchor="b" anchorCtr="true" compatLnSpc="true"/>
           <a:lstStyle>
             <a:lvl1pPr algn="ctr" defTabSz="965200" eaLnBrk="0" hangingPunct="0">
               <a:defRPr sz="900">
-                <a:latin typeface="Arial" charset="0"/>
+                <a:latin typeface="Arial" panose="020B0604020202020204" pitchFamily="34" charset="0"/>
               </a:defRPr>
             </a:lvl1pPr>
           </a:lstStyle>
@@ -446,6 +385,7 @@
               <a:rPr lang="en-US" dirty="0"/>
               <a:t>Copyright © 2017 Elephant Scale. All rights reserved.</a:t>
             </a:r>
+            <a:endParaRPr lang="en-US" dirty="0"/>
           </a:p>
         </p:txBody>
       </p:sp>
@@ -453,7 +393,7 @@
         <p:nvSpPr>
           <p:cNvPr id="438281" name="Rectangle 9"/>
           <p:cNvSpPr>
-            <a:spLocks noGrp="1" noChangeArrowheads="1"/>
+            <a:spLocks noGrp="true" noChangeArrowheads="true"/>
           </p:cNvSpPr>
           <p:nvPr>
             <p:ph type="sldNum" sz="quarter" idx="5"/>
@@ -471,21 +411,15 @@
           <a:ln w="9525">
             <a:noFill/>
             <a:miter lim="800000"/>
-            <a:headEnd/>
-            <a:tailEnd/>
           </a:ln>
           <a:effectLst/>
         </p:spPr>
         <p:txBody>
-          <a:bodyPr vert="horz" wrap="square" lIns="0" tIns="0" rIns="0" bIns="0" numCol="1" anchor="b" anchorCtr="0" compatLnSpc="1">
-            <a:prstTxWarp prst="textNoShape">
-              <a:avLst/>
-            </a:prstTxWarp>
-          </a:bodyPr>
+          <a:bodyPr vert="horz" wrap="square" lIns="0" tIns="0" rIns="0" bIns="0" numCol="1" anchor="b" anchorCtr="false" compatLnSpc="true"/>
           <a:lstStyle>
             <a:lvl1pPr algn="r" defTabSz="965200" eaLnBrk="0" hangingPunct="0">
               <a:defRPr b="1">
-                <a:latin typeface="Arial" charset="0"/>
+                <a:latin typeface="Arial" panose="020B0604020202020204" pitchFamily="34" charset="0"/>
               </a:defRPr>
             </a:lvl1pPr>
           </a:lstStyle>
@@ -495,10 +429,6 @@
             </a:pPr>
             <a:fld id="{EFAADD5D-AF76-45EE-AA5F-6DAC73BF167A}" type="slidenum">
               <a:rPr lang="en-US"/>
-              <a:pPr>
-                <a:defRPr/>
-              </a:pPr>
-              <a:t>‹#›</a:t>
             </a:fld>
             <a:endParaRPr lang="en-US" dirty="0"/>
           </a:p>
@@ -507,8 +437,8 @@
       <p:sp>
         <p:nvSpPr>
           <p:cNvPr id="438306" name="Text Box 34"/>
-          <p:cNvSpPr txBox="1">
-            <a:spLocks noChangeArrowheads="1"/>
+          <p:cNvSpPr txBox="true">
+            <a:spLocks noChangeArrowheads="true"/>
           </p:cNvSpPr>
           <p:nvPr/>
         </p:nvSpPr>
@@ -524,24 +454,26 @@
           <a:ln w="9525">
             <a:noFill/>
             <a:miter lim="800000"/>
-            <a:headEnd/>
-            <a:tailEnd/>
           </a:ln>
         </p:spPr>
         <p:txBody>
           <a:bodyPr wrap="none" lIns="96386" tIns="48194" rIns="96386" bIns="48194"/>
           <a:lstStyle/>
           <a:p>
-            <a:pPr defTabSz="960438">
+            <a:pPr defTabSz="960755">
               <a:defRPr/>
             </a:pPr>
             <a:r>
               <a:rPr lang="en-US" sz="1200" b="1" u="sng" dirty="0">
-                <a:latin typeface="Times New Roman" pitchFamily="18" charset="0"/>
-                <a:cs typeface="Times New Roman" pitchFamily="18" charset="0"/>
+                <a:latin typeface="Times New Roman" panose="02020603050405020304" charset="0"/>
+                <a:cs typeface="Times New Roman" panose="02020603050405020304" charset="0"/>
               </a:rPr>
               <a:t>Notes:</a:t>
             </a:r>
+            <a:endParaRPr lang="en-US" sz="1200" b="1" u="sng" dirty="0">
+              <a:latin typeface="Times New Roman" panose="02020603050405020304" charset="0"/>
+              <a:cs typeface="Times New Roman" panose="02020603050405020304" charset="0"/>
+            </a:endParaRPr>
           </a:p>
         </p:txBody>
       </p:sp>
@@ -549,7 +481,7 @@
         <p:nvSpPr>
           <p:cNvPr id="438309" name="Rectangle 37"/>
           <p:cNvSpPr>
-            <a:spLocks noGrp="1" noChangeArrowheads="1"/>
+            <a:spLocks noGrp="true" noChangeArrowheads="true"/>
           </p:cNvSpPr>
           <p:nvPr>
             <p:ph type="body" sz="quarter" idx="3"/>
@@ -567,16 +499,10 @@
           <a:ln w="9525">
             <a:noFill/>
             <a:miter lim="800000"/>
-            <a:headEnd/>
-            <a:tailEnd/>
           </a:ln>
         </p:spPr>
         <p:txBody>
-          <a:bodyPr vert="horz" wrap="square" lIns="91537" tIns="45768" rIns="91537" bIns="45768" numCol="1" anchor="t" anchorCtr="0" compatLnSpc="1">
-            <a:prstTxWarp prst="textNoShape">
-              <a:avLst/>
-            </a:prstTxWarp>
-          </a:bodyPr>
+          <a:bodyPr vert="horz" wrap="square" lIns="91537" tIns="45768" rIns="91537" bIns="45768" numCol="1" anchor="t" anchorCtr="false" compatLnSpc="true"/>
           <a:lstStyle/>
           <a:p>
             <a:pPr lvl="0"/>
@@ -588,7 +514,7 @@
         <p:nvSpPr>
           <p:cNvPr id="438317" name="Line 45"/>
           <p:cNvSpPr>
-            <a:spLocks noChangeShapeType="1"/>
+            <a:spLocks noChangeShapeType="true"/>
           </p:cNvSpPr>
           <p:nvPr/>
         </p:nvSpPr>
@@ -606,8 +532,6 @@
               <a:srgbClr val="000000"/>
             </a:solidFill>
             <a:round/>
-            <a:headEnd/>
-            <a:tailEnd/>
           </a:ln>
           <a:effectLst/>
         </p:spPr>
@@ -622,7 +546,7 @@
               <a:defRPr/>
             </a:pPr>
             <a:endParaRPr lang="en-US" dirty="0">
-              <a:latin typeface="Garamond" pitchFamily="-110" charset="0"/>
+              <a:latin typeface="Garamond" pitchFamily="18" charset="0"/>
               <a:ea typeface="+mn-ea"/>
               <a:cs typeface="+mn-cs"/>
             </a:endParaRPr>
@@ -630,11 +554,6 @@
         </p:txBody>
       </p:sp>
     </p:spTree>
-    <p:extLst>
-      <p:ext uri="{BB962C8B-B14F-4D97-AF65-F5344CB8AC3E}">
-        <p14:creationId xmlns:p14="http://schemas.microsoft.com/office/powerpoint/2010/main" val="953744030"/>
-      </p:ext>
-    </p:extLst>
   </p:cSld>
   <p:clrMap bg1="lt1" tx1="dk1" bg2="lt2" tx2="dk2" accent1="accent1" accent2="accent2" accent3="accent3" accent4="accent4" accent5="accent5" accent6="accent6" hlink="hlink" folHlink="folHlink"/>
   <p:hf dt="0"/>
@@ -647,15 +566,15 @@
         <a:spcPct val="0"/>
       </a:spcAft>
       <a:buSzPct val="65000"/>
-      <a:buFont typeface="Wingdings" pitchFamily="2" charset="2"/>
+      <a:buFont typeface="Wingdings" panose="05000000000000000000" pitchFamily="2" charset="2"/>
       <a:buNone/>
       <a:defRPr sz="1200" kern="1200">
         <a:solidFill>
           <a:schemeClr val="tx1"/>
         </a:solidFill>
-        <a:latin typeface="Times New Roman" pitchFamily="-110" charset="0"/>
-        <a:ea typeface="ＭＳ Ｐゴシック" pitchFamily="-110" charset="-128"/>
-        <a:cs typeface="ＭＳ Ｐゴシック" pitchFamily="-110" charset="-128"/>
+        <a:latin typeface="Times New Roman" panose="02020603050405020304" charset="0"/>
+        <a:ea typeface="MS PGothic" pitchFamily="-110" charset="-128"/>
+        <a:cs typeface="MS PGothic" pitchFamily="-110" charset="-128"/>
       </a:defRPr>
     </a:lvl1pPr>
     <a:lvl2pPr marL="282575" indent="0" algn="l" rtl="0" eaLnBrk="0" fontAlgn="base" hangingPunct="0">
@@ -670,12 +589,12 @@
         <a:solidFill>
           <a:schemeClr val="tx1"/>
         </a:solidFill>
-        <a:latin typeface="Times New Roman" pitchFamily="-110" charset="0"/>
-        <a:ea typeface="ＭＳ Ｐゴシック" pitchFamily="-110" charset="-128"/>
-        <a:cs typeface="ＭＳ Ｐゴシック"/>
+        <a:latin typeface="Times New Roman" panose="02020603050405020304" charset="0"/>
+        <a:ea typeface="MS PGothic" pitchFamily="-110" charset="-128"/>
+        <a:cs typeface="MS PGothic"/>
       </a:defRPr>
     </a:lvl2pPr>
-    <a:lvl3pPr marL="744538" indent="-173038" algn="l" rtl="0" eaLnBrk="0" fontAlgn="base" hangingPunct="0">
+    <a:lvl3pPr marL="744855" indent="-173355" algn="l" rtl="0" eaLnBrk="0" fontAlgn="base" hangingPunct="0">
       <a:spcBef>
         <a:spcPct val="30000"/>
       </a:spcBef>
@@ -687,9 +606,9 @@
         <a:solidFill>
           <a:schemeClr val="tx1"/>
         </a:solidFill>
-        <a:latin typeface="Times New Roman" pitchFamily="-110" charset="0"/>
-        <a:ea typeface="ＭＳ Ｐゴシック" pitchFamily="-110" charset="-128"/>
-        <a:cs typeface="ＭＳ Ｐゴシック"/>
+        <a:latin typeface="Times New Roman" panose="02020603050405020304" charset="0"/>
+        <a:ea typeface="MS PGothic" pitchFamily="-110" charset="-128"/>
+        <a:cs typeface="MS PGothic"/>
       </a:defRPr>
     </a:lvl3pPr>
     <a:lvl4pPr marL="1600200" indent="-228600" algn="l" rtl="0" eaLnBrk="0" fontAlgn="base" hangingPunct="0">
@@ -703,9 +622,9 @@
         <a:solidFill>
           <a:schemeClr val="tx1"/>
         </a:solidFill>
-        <a:latin typeface="Times New Roman" pitchFamily="-110" charset="0"/>
-        <a:ea typeface="ＭＳ Ｐゴシック" pitchFamily="-110" charset="-128"/>
-        <a:cs typeface="ＭＳ Ｐゴシック"/>
+        <a:latin typeface="Times New Roman" panose="02020603050405020304" charset="0"/>
+        <a:ea typeface="MS PGothic" pitchFamily="-110" charset="-128"/>
+        <a:cs typeface="MS PGothic"/>
       </a:defRPr>
     </a:lvl4pPr>
     <a:lvl5pPr marL="2057400" indent="-228600" algn="l" rtl="0" eaLnBrk="0" fontAlgn="base" hangingPunct="0">
@@ -719,9 +638,9 @@
         <a:solidFill>
           <a:schemeClr val="tx1"/>
         </a:solidFill>
-        <a:latin typeface="Times New Roman" pitchFamily="-110" charset="0"/>
-        <a:ea typeface="ＭＳ Ｐゴシック" pitchFamily="-110" charset="-128"/>
-        <a:cs typeface="ＭＳ Ｐゴシック"/>
+        <a:latin typeface="Times New Roman" panose="02020603050405020304" charset="0"/>
+        <a:ea typeface="MS PGothic" pitchFamily="-110" charset="-128"/>
+        <a:cs typeface="MS PGothic"/>
       </a:defRPr>
     </a:lvl5pPr>
     <a:lvl6pPr marL="2286000" algn="l" defTabSz="457200" rtl="0" eaLnBrk="1" latinLnBrk="0" hangingPunct="1">
@@ -769,7 +688,7 @@
 </file>
 
 <file path=ppt/notesSlides/notesSlide1.xml><?xml version="1.0" encoding="utf-8"?>
-<p:notes xmlns:a="http://schemas.openxmlformats.org/drawingml/2006/main" xmlns:p="http://schemas.openxmlformats.org/presentationml/2006/main" xmlns:r="http://schemas.openxmlformats.org/officeDocument/2006/relationships">
+<p:notes xmlns:a="http://schemas.openxmlformats.org/drawingml/2006/main" xmlns:r="http://schemas.openxmlformats.org/officeDocument/2006/relationships" xmlns:p="http://schemas.openxmlformats.org/presentationml/2006/main">
   <p:cSld>
     <p:spTree>
       <p:nvGrpSpPr>
@@ -789,7 +708,7 @@
         <p:nvSpPr>
           <p:cNvPr id="2" name="Slide Image Placeholder 1"/>
           <p:cNvSpPr>
-            <a:spLocks noGrp="1"/>
+            <a:spLocks noGrp="true"/>
           </p:cNvSpPr>
           <p:nvPr>
             <p:ph type="sldImg" idx="2"/>
@@ -801,10 +720,10 @@
         <p:nvSpPr>
           <p:cNvPr id="3" name="Slide Number Placeholder 2"/>
           <p:cNvSpPr>
-            <a:spLocks noGrp="1"/>
-          </p:cNvSpPr>
-          <p:nvPr>
-            <p:ph type="sldNum" idx="5" sz="quarter"/>
+            <a:spLocks noGrp="true"/>
+          </p:cNvSpPr>
+          <p:nvPr>
+            <p:ph type="sldNum" sz="quarter" idx="5"/>
           </p:nvPr>
         </p:nvSpPr>
         <p:spPr/>
@@ -813,10 +732,10 @@
         <p:nvSpPr>
           <p:cNvPr id="4" name="Notes Placeholder 3"/>
           <p:cNvSpPr>
-            <a:spLocks noGrp="1"/>
-          </p:cNvSpPr>
-          <p:nvPr>
-            <p:ph type="body" idx="3" sz="quarter"/>
+            <a:spLocks noGrp="true"/>
+          </p:cNvSpPr>
+          <p:nvPr>
+            <p:ph type="body" sz="quarter" idx="3"/>
           </p:nvPr>
         </p:nvSpPr>
         <p:spPr/>
@@ -889,7 +808,7 @@
 </file>
 
 <file path=ppt/notesSlides/notesSlide2.xml><?xml version="1.0" encoding="utf-8"?>
-<p:notes xmlns:a="http://schemas.openxmlformats.org/drawingml/2006/main" xmlns:p="http://schemas.openxmlformats.org/presentationml/2006/main" xmlns:r="http://schemas.openxmlformats.org/officeDocument/2006/relationships">
+<p:notes xmlns:a="http://schemas.openxmlformats.org/drawingml/2006/main" xmlns:r="http://schemas.openxmlformats.org/officeDocument/2006/relationships" xmlns:p="http://schemas.openxmlformats.org/presentationml/2006/main">
   <p:cSld>
     <p:spTree>
       <p:nvGrpSpPr>
@@ -909,7 +828,7 @@
         <p:nvSpPr>
           <p:cNvPr id="2" name="Slide Image Placeholder 1"/>
           <p:cNvSpPr>
-            <a:spLocks noGrp="1"/>
+            <a:spLocks noGrp="true"/>
           </p:cNvSpPr>
           <p:nvPr>
             <p:ph type="sldImg" idx="2"/>
@@ -921,10 +840,10 @@
         <p:nvSpPr>
           <p:cNvPr id="3" name="Slide Number Placeholder 2"/>
           <p:cNvSpPr>
-            <a:spLocks noGrp="1"/>
-          </p:cNvSpPr>
-          <p:nvPr>
-            <p:ph type="sldNum" idx="5" sz="quarter"/>
+            <a:spLocks noGrp="true"/>
+          </p:cNvSpPr>
+          <p:nvPr>
+            <p:ph type="sldNum" sz="quarter" idx="5"/>
           </p:nvPr>
         </p:nvSpPr>
         <p:spPr/>
@@ -933,10 +852,10 @@
         <p:nvSpPr>
           <p:cNvPr id="4" name="Notes Placeholder 3"/>
           <p:cNvSpPr>
-            <a:spLocks noGrp="1"/>
-          </p:cNvSpPr>
-          <p:nvPr>
-            <p:ph type="body" idx="3" sz="quarter"/>
+            <a:spLocks noGrp="true"/>
+          </p:cNvSpPr>
+          <p:nvPr>
+            <p:ph type="body" sz="quarter" idx="3"/>
           </p:nvPr>
         </p:nvSpPr>
         <p:spPr/>
@@ -959,7 +878,7 @@
 </file>
 
 <file path=ppt/notesSlides/notesSlide3.xml><?xml version="1.0" encoding="utf-8"?>
-<p:notes xmlns:a="http://schemas.openxmlformats.org/drawingml/2006/main" xmlns:p="http://schemas.openxmlformats.org/presentationml/2006/main" xmlns:r="http://schemas.openxmlformats.org/officeDocument/2006/relationships">
+<p:notes xmlns:a="http://schemas.openxmlformats.org/drawingml/2006/main" xmlns:r="http://schemas.openxmlformats.org/officeDocument/2006/relationships" xmlns:p="http://schemas.openxmlformats.org/presentationml/2006/main">
   <p:cSld>
     <p:spTree>
       <p:nvGrpSpPr>
@@ -979,7 +898,7 @@
         <p:nvSpPr>
           <p:cNvPr id="2" name="Slide Image Placeholder 1"/>
           <p:cNvSpPr>
-            <a:spLocks noGrp="1"/>
+            <a:spLocks noGrp="true"/>
           </p:cNvSpPr>
           <p:nvPr>
             <p:ph type="sldImg" idx="2"/>
@@ -991,10 +910,10 @@
         <p:nvSpPr>
           <p:cNvPr id="3" name="Slide Number Placeholder 2"/>
           <p:cNvSpPr>
-            <a:spLocks noGrp="1"/>
-          </p:cNvSpPr>
-          <p:nvPr>
-            <p:ph type="sldNum" idx="5" sz="quarter"/>
+            <a:spLocks noGrp="true"/>
+          </p:cNvSpPr>
+          <p:nvPr>
+            <p:ph type="sldNum" sz="quarter" idx="5"/>
           </p:nvPr>
         </p:nvSpPr>
         <p:spPr/>
@@ -1003,10 +922,10 @@
         <p:nvSpPr>
           <p:cNvPr id="4" name="Notes Placeholder 3"/>
           <p:cNvSpPr>
-            <a:spLocks noGrp="1"/>
-          </p:cNvSpPr>
-          <p:nvPr>
-            <p:ph type="body" idx="3" sz="quarter"/>
+            <a:spLocks noGrp="true"/>
+          </p:cNvSpPr>
+          <p:nvPr>
+            <p:ph type="body" sz="quarter" idx="3"/>
           </p:nvPr>
         </p:nvSpPr>
         <p:spPr/>
@@ -1029,7 +948,7 @@
 </file>
 
 <file path=ppt/slideLayouts/slideLayout1.xml><?xml version="1.0" encoding="utf-8"?>
-<p:sldLayout xmlns:a="http://schemas.openxmlformats.org/drawingml/2006/main" xmlns:r="http://schemas.openxmlformats.org/officeDocument/2006/relationships" xmlns:p="http://schemas.openxmlformats.org/presentationml/2006/main" showMasterSp="0" type="title" preserve="1">
+<p:sldLayout xmlns:a="http://schemas.openxmlformats.org/drawingml/2006/main" xmlns:r="http://schemas.openxmlformats.org/officeDocument/2006/relationships" xmlns:p="http://schemas.openxmlformats.org/presentationml/2006/main" type="title" preserve="1" showMasterSp="0">
   <p:cSld name="Title Slide">
     <p:bg>
       <p:bgPr>
@@ -1056,15 +975,17 @@
       <p:pic>
         <p:nvPicPr>
           <p:cNvPr id="4" name="Picture 7"/>
-          <p:cNvPicPr preferRelativeResize="0">
-            <a:picLocks noChangeArrowheads="1"/>
+          <p:cNvPicPr preferRelativeResize="false">
+            <a:picLocks noChangeArrowheads="true"/>
           </p:cNvPicPr>
           <p:nvPr/>
         </p:nvPicPr>
-        <p:blipFill rotWithShape="1">
+        <p:blipFill rotWithShape="true">
           <a:blip r:embed="rId2"/>
           <a:srcRect t="19473"/>
-          <a:stretch/>
+          <a:stretch>
+            <a:fillRect/>
+          </a:stretch>
         </p:blipFill>
         <p:spPr bwMode="auto">
           <a:xfrm>
@@ -1087,7 +1008,7 @@
         <p:nvSpPr>
           <p:cNvPr id="1104898" name="Rectangle 2"/>
           <p:cNvSpPr>
-            <a:spLocks noGrp="1" noChangeArrowheads="1"/>
+            <a:spLocks noGrp="true" noChangeArrowheads="true"/>
           </p:cNvSpPr>
           <p:nvPr>
             <p:ph type="subTitle" sz="quarter" idx="1"/>
@@ -1115,6 +1036,7 @@
               <a:rPr lang="en-US"/>
               <a:t>Click to edit Master subtitle style</a:t>
             </a:r>
+            <a:endParaRPr lang="en-US"/>
           </a:p>
         </p:txBody>
       </p:sp>
@@ -1122,7 +1044,7 @@
         <p:nvSpPr>
           <p:cNvPr id="1104900" name="Rectangle 4"/>
           <p:cNvSpPr>
-            <a:spLocks noGrp="1" noChangeArrowheads="1"/>
+            <a:spLocks noGrp="true" noChangeArrowheads="true"/>
           </p:cNvSpPr>
           <p:nvPr>
             <p:ph type="ctrTitle" sz="quarter"/>
@@ -1146,6 +1068,7 @@
               <a:rPr lang="en-US"/>
               <a:t>Click to edit Master title style</a:t>
             </a:r>
+            <a:endParaRPr lang="en-US"/>
           </a:p>
         </p:txBody>
       </p:sp>
@@ -1178,7 +1101,7 @@
         <p:nvSpPr>
           <p:cNvPr id="2" name="Title 1"/>
           <p:cNvSpPr>
-            <a:spLocks noGrp="1"/>
+            <a:spLocks noGrp="true"/>
           </p:cNvSpPr>
           <p:nvPr>
             <p:ph type="title"/>
@@ -1195,6 +1118,7 @@
               <a:rPr lang="en-US" dirty="0"/>
               <a:t>Click to edit Master title style</a:t>
             </a:r>
+            <a:endParaRPr lang="en-US" dirty="0"/>
           </a:p>
         </p:txBody>
       </p:sp>
@@ -1202,7 +1126,7 @@
         <p:nvSpPr>
           <p:cNvPr id="3" name="Content Placeholder 2"/>
           <p:cNvSpPr>
-            <a:spLocks noGrp="1"/>
+            <a:spLocks noGrp="true"/>
           </p:cNvSpPr>
           <p:nvPr>
             <p:ph idx="1"/>
@@ -1218,6 +1142,7 @@
               <a:rPr lang="en-US" dirty="0"/>
               <a:t>Click to edit Master text styles</a:t>
             </a:r>
+            <a:endParaRPr lang="en-US" dirty="0"/>
           </a:p>
           <a:p>
             <a:pPr lvl="1"/>
@@ -1225,6 +1150,7 @@
               <a:rPr lang="en-US" dirty="0"/>
               <a:t>Second level</a:t>
             </a:r>
+            <a:endParaRPr lang="en-US" dirty="0"/>
           </a:p>
           <a:p>
             <a:pPr lvl="2"/>
@@ -1232,6 +1158,7 @@
               <a:rPr lang="en-US" dirty="0"/>
               <a:t>Third level</a:t>
             </a:r>
+            <a:endParaRPr lang="en-US" dirty="0"/>
           </a:p>
           <a:p>
             <a:pPr lvl="3"/>
@@ -1239,6 +1166,7 @@
               <a:rPr lang="en-US" dirty="0"/>
               <a:t>Fourth level</a:t>
             </a:r>
+            <a:endParaRPr lang="en-US" dirty="0"/>
           </a:p>
           <a:p>
             <a:pPr lvl="4"/>
@@ -1246,6 +1174,7 @@
               <a:rPr lang="en-US" dirty="0"/>
               <a:t>Fifth level</a:t>
             </a:r>
+            <a:endParaRPr lang="en-US" dirty="0"/>
           </a:p>
         </p:txBody>
       </p:sp>
@@ -1253,7 +1182,7 @@
         <p:nvSpPr>
           <p:cNvPr id="8" name="Footer Placeholder 7"/>
           <p:cNvSpPr>
-            <a:spLocks noGrp="1"/>
+            <a:spLocks noGrp="true"/>
           </p:cNvSpPr>
           <p:nvPr>
             <p:ph type="ftr" sz="quarter" idx="11"/>
@@ -1271,6 +1200,7 @@
               <a:rPr lang="en-US" dirty="0"/>
               <a:t>Copyright © 2017 Elephant Scale. All rights reserved.</a:t>
             </a:r>
+            <a:endParaRPr lang="en-US" dirty="0"/>
           </a:p>
         </p:txBody>
       </p:sp>
@@ -1278,7 +1208,7 @@
         <p:nvSpPr>
           <p:cNvPr id="9" name="Slide Number Placeholder 8"/>
           <p:cNvSpPr>
-            <a:spLocks noGrp="1"/>
+            <a:spLocks noGrp="true"/>
           </p:cNvSpPr>
           <p:nvPr>
             <p:ph type="sldNum" sz="quarter" idx="12"/>
@@ -1294,10 +1224,6 @@
             </a:pPr>
             <a:fld id="{77EF9825-4C23-4085-A4E3-B5565466BD91}" type="slidenum">
               <a:rPr lang="en-US" smtClean="0"/>
-              <a:pPr>
-                <a:defRPr/>
-              </a:pPr>
-              <a:t>‹#›</a:t>
             </a:fld>
             <a:endParaRPr lang="en-US" dirty="0"/>
           </a:p>
@@ -1332,7 +1258,7 @@
         <p:nvSpPr>
           <p:cNvPr id="2" name="Title 1"/>
           <p:cNvSpPr>
-            <a:spLocks noGrp="1"/>
+            <a:spLocks noGrp="true"/>
           </p:cNvSpPr>
           <p:nvPr>
             <p:ph type="title"/>
@@ -1352,6 +1278,7 @@
               <a:rPr lang="en-US"/>
               <a:t>Click to edit Master title style</a:t>
             </a:r>
+            <a:endParaRPr lang="en-US"/>
           </a:p>
         </p:txBody>
       </p:sp>
@@ -1359,7 +1286,7 @@
         <p:nvSpPr>
           <p:cNvPr id="3" name="Text Placeholder 2"/>
           <p:cNvSpPr>
-            <a:spLocks noGrp="1"/>
+            <a:spLocks noGrp="true"/>
           </p:cNvSpPr>
           <p:nvPr>
             <p:ph type="body" sz="half" idx="1"/>
@@ -1380,6 +1307,7 @@
               <a:rPr lang="en-US"/>
               <a:t>Click to edit Master text styles</a:t>
             </a:r>
+            <a:endParaRPr lang="en-US"/>
           </a:p>
           <a:p>
             <a:pPr lvl="1"/>
@@ -1387,6 +1315,7 @@
               <a:rPr lang="en-US"/>
               <a:t>Second level</a:t>
             </a:r>
+            <a:endParaRPr lang="en-US"/>
           </a:p>
           <a:p>
             <a:pPr lvl="2"/>
@@ -1394,6 +1323,7 @@
               <a:rPr lang="en-US"/>
               <a:t>Third level</a:t>
             </a:r>
+            <a:endParaRPr lang="en-US"/>
           </a:p>
           <a:p>
             <a:pPr lvl="3"/>
@@ -1401,6 +1331,7 @@
               <a:rPr lang="en-US"/>
               <a:t>Fourth level</a:t>
             </a:r>
+            <a:endParaRPr lang="en-US"/>
           </a:p>
           <a:p>
             <a:pPr lvl="4"/>
@@ -1408,6 +1339,7 @@
               <a:rPr lang="en-US"/>
               <a:t>Fifth level</a:t>
             </a:r>
+            <a:endParaRPr lang="en-US"/>
           </a:p>
         </p:txBody>
       </p:sp>
@@ -1415,7 +1347,7 @@
         <p:nvSpPr>
           <p:cNvPr id="4" name="Content Placeholder 3"/>
           <p:cNvSpPr>
-            <a:spLocks noGrp="1"/>
+            <a:spLocks noGrp="true"/>
           </p:cNvSpPr>
           <p:nvPr>
             <p:ph sz="quarter" idx="2"/>
@@ -1436,6 +1368,7 @@
               <a:rPr lang="en-US"/>
               <a:t>Click to edit Master text styles</a:t>
             </a:r>
+            <a:endParaRPr lang="en-US"/>
           </a:p>
           <a:p>
             <a:pPr lvl="1"/>
@@ -1443,6 +1376,7 @@
               <a:rPr lang="en-US"/>
               <a:t>Second level</a:t>
             </a:r>
+            <a:endParaRPr lang="en-US"/>
           </a:p>
           <a:p>
             <a:pPr lvl="2"/>
@@ -1450,6 +1384,7 @@
               <a:rPr lang="en-US"/>
               <a:t>Third level</a:t>
             </a:r>
+            <a:endParaRPr lang="en-US"/>
           </a:p>
           <a:p>
             <a:pPr lvl="3"/>
@@ -1457,6 +1392,7 @@
               <a:rPr lang="en-US"/>
               <a:t>Fourth level</a:t>
             </a:r>
+            <a:endParaRPr lang="en-US"/>
           </a:p>
           <a:p>
             <a:pPr lvl="4"/>
@@ -1464,6 +1400,7 @@
               <a:rPr lang="en-US"/>
               <a:t>Fifth level</a:t>
             </a:r>
+            <a:endParaRPr lang="en-US"/>
           </a:p>
         </p:txBody>
       </p:sp>
@@ -1471,7 +1408,7 @@
         <p:nvSpPr>
           <p:cNvPr id="5" name="Content Placeholder 4"/>
           <p:cNvSpPr>
-            <a:spLocks noGrp="1"/>
+            <a:spLocks noGrp="true"/>
           </p:cNvSpPr>
           <p:nvPr>
             <p:ph sz="quarter" idx="3"/>
@@ -1492,6 +1429,7 @@
               <a:rPr lang="en-US"/>
               <a:t>Click to edit Master text styles</a:t>
             </a:r>
+            <a:endParaRPr lang="en-US"/>
           </a:p>
           <a:p>
             <a:pPr lvl="1"/>
@@ -1499,6 +1437,7 @@
               <a:rPr lang="en-US"/>
               <a:t>Second level</a:t>
             </a:r>
+            <a:endParaRPr lang="en-US"/>
           </a:p>
           <a:p>
             <a:pPr lvl="2"/>
@@ -1506,6 +1445,7 @@
               <a:rPr lang="en-US"/>
               <a:t>Third level</a:t>
             </a:r>
+            <a:endParaRPr lang="en-US"/>
           </a:p>
           <a:p>
             <a:pPr lvl="3"/>
@@ -1513,6 +1453,7 @@
               <a:rPr lang="en-US"/>
               <a:t>Fourth level</a:t>
             </a:r>
+            <a:endParaRPr lang="en-US"/>
           </a:p>
           <a:p>
             <a:pPr lvl="4"/>
@@ -1520,6 +1461,7 @@
               <a:rPr lang="en-US"/>
               <a:t>Fifth level</a:t>
             </a:r>
+            <a:endParaRPr lang="en-US"/>
           </a:p>
         </p:txBody>
       </p:sp>
@@ -1527,15 +1469,13 @@
         <p:nvSpPr>
           <p:cNvPr id="7" name="Rectangle 4"/>
           <p:cNvSpPr>
-            <a:spLocks noGrp="1" noChangeArrowheads="1"/>
+            <a:spLocks noGrp="true" noChangeArrowheads="true"/>
           </p:cNvSpPr>
           <p:nvPr>
             <p:ph type="sldNum" sz="quarter" idx="11"/>
           </p:nvPr>
         </p:nvSpPr>
-        <p:spPr>
-          <a:ln/>
-        </p:spPr>
+        <p:spPr/>
         <p:txBody>
           <a:bodyPr/>
           <a:lstStyle>
@@ -1549,10 +1489,6 @@
             </a:pPr>
             <a:fld id="{040E4B02-67B9-4228-B08B-2561CEE6B946}" type="slidenum">
               <a:rPr lang="en-US"/>
-              <a:pPr>
-                <a:defRPr/>
-              </a:pPr>
-              <a:t>‹#›</a:t>
             </a:fld>
             <a:endParaRPr lang="en-US" dirty="0"/>
           </a:p>
@@ -1562,15 +1498,13 @@
         <p:nvSpPr>
           <p:cNvPr id="8" name="Rectangle 5"/>
           <p:cNvSpPr>
-            <a:spLocks noGrp="1" noChangeArrowheads="1"/>
+            <a:spLocks noGrp="true" noChangeArrowheads="true"/>
           </p:cNvSpPr>
           <p:nvPr>
             <p:ph type="ftr" sz="quarter" idx="12"/>
           </p:nvPr>
         </p:nvSpPr>
-        <p:spPr>
-          <a:ln/>
-        </p:spPr>
+        <p:spPr/>
         <p:txBody>
           <a:bodyPr/>
           <a:lstStyle>
@@ -1586,6 +1520,7 @@
               <a:rPr lang="en-US" dirty="0"/>
               <a:t>Copyright © 2017 Elephant Scale. All rights reserved.</a:t>
             </a:r>
+            <a:endParaRPr lang="en-US" dirty="0"/>
           </a:p>
         </p:txBody>
       </p:sp>
@@ -1618,7 +1553,7 @@
         <p:nvSpPr>
           <p:cNvPr id="2" name="Title 1"/>
           <p:cNvSpPr>
-            <a:spLocks noGrp="1"/>
+            <a:spLocks noGrp="true"/>
           </p:cNvSpPr>
           <p:nvPr>
             <p:ph type="title"/>
@@ -1638,6 +1573,7 @@
               <a:rPr lang="en-US"/>
               <a:t>Click to edit Master title style</a:t>
             </a:r>
+            <a:endParaRPr lang="en-US"/>
           </a:p>
         </p:txBody>
       </p:sp>
@@ -1645,7 +1581,7 @@
         <p:nvSpPr>
           <p:cNvPr id="3" name="Text Placeholder 2"/>
           <p:cNvSpPr>
-            <a:spLocks noGrp="1"/>
+            <a:spLocks noGrp="true"/>
           </p:cNvSpPr>
           <p:nvPr>
             <p:ph type="body" sz="half" idx="1"/>
@@ -1666,6 +1602,7 @@
               <a:rPr lang="en-US"/>
               <a:t>Click to edit Master text styles</a:t>
             </a:r>
+            <a:endParaRPr lang="en-US"/>
           </a:p>
           <a:p>
             <a:pPr lvl="1"/>
@@ -1673,6 +1610,7 @@
               <a:rPr lang="en-US"/>
               <a:t>Second level</a:t>
             </a:r>
+            <a:endParaRPr lang="en-US"/>
           </a:p>
           <a:p>
             <a:pPr lvl="2"/>
@@ -1680,6 +1618,7 @@
               <a:rPr lang="en-US"/>
               <a:t>Third level</a:t>
             </a:r>
+            <a:endParaRPr lang="en-US"/>
           </a:p>
           <a:p>
             <a:pPr lvl="3"/>
@@ -1687,6 +1626,7 @@
               <a:rPr lang="en-US"/>
               <a:t>Fourth level</a:t>
             </a:r>
+            <a:endParaRPr lang="en-US"/>
           </a:p>
           <a:p>
             <a:pPr lvl="4"/>
@@ -1694,6 +1634,7 @@
               <a:rPr lang="en-US"/>
               <a:t>Fifth level</a:t>
             </a:r>
+            <a:endParaRPr lang="en-US"/>
           </a:p>
         </p:txBody>
       </p:sp>
@@ -1701,7 +1642,7 @@
         <p:nvSpPr>
           <p:cNvPr id="4" name="Content Placeholder 3"/>
           <p:cNvSpPr>
-            <a:spLocks noGrp="1"/>
+            <a:spLocks noGrp="true"/>
           </p:cNvSpPr>
           <p:nvPr>
             <p:ph sz="half" idx="2"/>
@@ -1722,6 +1663,7 @@
               <a:rPr lang="en-US"/>
               <a:t>Click to edit Master text styles</a:t>
             </a:r>
+            <a:endParaRPr lang="en-US"/>
           </a:p>
           <a:p>
             <a:pPr lvl="1"/>
@@ -1729,6 +1671,7 @@
               <a:rPr lang="en-US"/>
               <a:t>Second level</a:t>
             </a:r>
+            <a:endParaRPr lang="en-US"/>
           </a:p>
           <a:p>
             <a:pPr lvl="2"/>
@@ -1736,6 +1679,7 @@
               <a:rPr lang="en-US"/>
               <a:t>Third level</a:t>
             </a:r>
+            <a:endParaRPr lang="en-US"/>
           </a:p>
           <a:p>
             <a:pPr lvl="3"/>
@@ -1743,6 +1687,7 @@
               <a:rPr lang="en-US"/>
               <a:t>Fourth level</a:t>
             </a:r>
+            <a:endParaRPr lang="en-US"/>
           </a:p>
           <a:p>
             <a:pPr lvl="4"/>
@@ -1750,6 +1695,7 @@
               <a:rPr lang="en-US"/>
               <a:t>Fifth level</a:t>
             </a:r>
+            <a:endParaRPr lang="en-US"/>
           </a:p>
         </p:txBody>
       </p:sp>
@@ -1757,15 +1703,13 @@
         <p:nvSpPr>
           <p:cNvPr id="6" name="Rectangle 4"/>
           <p:cNvSpPr>
-            <a:spLocks noGrp="1" noChangeArrowheads="1"/>
+            <a:spLocks noGrp="true" noChangeArrowheads="true"/>
           </p:cNvSpPr>
           <p:nvPr>
             <p:ph type="sldNum" sz="quarter" idx="11"/>
           </p:nvPr>
         </p:nvSpPr>
-        <p:spPr>
-          <a:ln/>
-        </p:spPr>
+        <p:spPr/>
         <p:txBody>
           <a:bodyPr/>
           <a:lstStyle>
@@ -1779,10 +1723,6 @@
             </a:pPr>
             <a:fld id="{A86CC632-9864-46F1-8EAB-FCD3BB9CEC9A}" type="slidenum">
               <a:rPr lang="en-US"/>
-              <a:pPr>
-                <a:defRPr/>
-              </a:pPr>
-              <a:t>‹#›</a:t>
             </a:fld>
             <a:endParaRPr lang="en-US" dirty="0"/>
           </a:p>
@@ -1792,15 +1732,13 @@
         <p:nvSpPr>
           <p:cNvPr id="7" name="Rectangle 5"/>
           <p:cNvSpPr>
-            <a:spLocks noGrp="1" noChangeArrowheads="1"/>
+            <a:spLocks noGrp="true" noChangeArrowheads="true"/>
           </p:cNvSpPr>
           <p:nvPr>
             <p:ph type="ftr" sz="quarter" idx="12"/>
           </p:nvPr>
         </p:nvSpPr>
-        <p:spPr>
-          <a:ln/>
-        </p:spPr>
+        <p:spPr/>
         <p:txBody>
           <a:bodyPr/>
           <a:lstStyle>
@@ -1816,6 +1754,7 @@
               <a:rPr lang="en-US" dirty="0"/>
               <a:t>Copyright © 2017 Elephant Scale. All rights reserved.</a:t>
             </a:r>
+            <a:endParaRPr lang="en-US" dirty="0"/>
           </a:p>
         </p:txBody>
       </p:sp>
@@ -1856,7 +1795,7 @@
         <p:nvSpPr>
           <p:cNvPr id="1026" name="Rectangle 2"/>
           <p:cNvSpPr>
-            <a:spLocks noGrp="1" noChangeArrowheads="1"/>
+            <a:spLocks noGrp="true" noChangeArrowheads="true"/>
           </p:cNvSpPr>
           <p:nvPr>
             <p:ph type="body" idx="1"/>
@@ -1874,15 +1813,10 @@
           <a:ln w="9525">
             <a:noFill/>
             <a:miter lim="800000"/>
-            <a:headEnd/>
-            <a:tailEnd/>
           </a:ln>
         </p:spPr>
         <p:txBody>
-          <a:bodyPr vert="horz" wrap="square" lIns="92007" tIns="46005" rIns="92007" bIns="46005" numCol="1" anchor="t" anchorCtr="0" compatLnSpc="1">
-            <a:prstTxWarp prst="textNoShape">
-              <a:avLst/>
-            </a:prstTxWarp>
+          <a:bodyPr vert="horz" wrap="square" lIns="92007" tIns="46005" rIns="92007" bIns="46005" numCol="1" anchor="t" anchorCtr="false" compatLnSpc="true">
             <a:normAutofit/>
           </a:bodyPr>
           <a:lstStyle/>
@@ -1892,6 +1826,7 @@
               <a:rPr lang="en-US" dirty="0"/>
               <a:t>Click to edit Master text styles</a:t>
             </a:r>
+            <a:endParaRPr lang="en-US" dirty="0"/>
           </a:p>
           <a:p>
             <a:pPr lvl="1"/>
@@ -1899,6 +1834,7 @@
               <a:rPr lang="en-US" dirty="0"/>
               <a:t>Second level</a:t>
             </a:r>
+            <a:endParaRPr lang="en-US" dirty="0"/>
           </a:p>
           <a:p>
             <a:pPr lvl="2"/>
@@ -1906,6 +1842,7 @@
               <a:rPr lang="en-US" dirty="0"/>
               <a:t>Third level</a:t>
             </a:r>
+            <a:endParaRPr lang="en-US" dirty="0"/>
           </a:p>
           <a:p>
             <a:pPr lvl="3"/>
@@ -1913,6 +1850,7 @@
               <a:rPr lang="en-US" dirty="0"/>
               <a:t>Fourth level</a:t>
             </a:r>
+            <a:endParaRPr lang="en-US" dirty="0"/>
           </a:p>
           <a:p>
             <a:pPr lvl="4"/>
@@ -1920,6 +1858,7 @@
               <a:rPr lang="en-US" dirty="0"/>
               <a:t>Fifth level</a:t>
             </a:r>
+            <a:endParaRPr lang="en-US" dirty="0"/>
           </a:p>
         </p:txBody>
       </p:sp>
@@ -1927,7 +1866,7 @@
         <p:nvSpPr>
           <p:cNvPr id="1103876" name="Rectangle 4"/>
           <p:cNvSpPr>
-            <a:spLocks noGrp="1" noChangeArrowheads="1"/>
+            <a:spLocks noGrp="true" noChangeArrowheads="true"/>
           </p:cNvSpPr>
           <p:nvPr>
             <p:ph type="sldNum" sz="quarter" idx="4"/>
@@ -1945,26 +1884,20 @@
           <a:ln w="9525">
             <a:noFill/>
             <a:miter lim="800000"/>
-            <a:headEnd/>
-            <a:tailEnd/>
           </a:ln>
           <a:effectLst/>
         </p:spPr>
         <p:txBody>
-          <a:bodyPr vert="horz" wrap="square" lIns="0" tIns="0" rIns="0" bIns="0" numCol="1" anchor="b" anchorCtr="0" compatLnSpc="1">
-            <a:prstTxWarp prst="textNoShape">
-              <a:avLst/>
-            </a:prstTxWarp>
-          </a:bodyPr>
+          <a:bodyPr vert="horz" wrap="square" lIns="0" tIns="0" rIns="0" bIns="0" numCol="1" anchor="b" anchorCtr="false" compatLnSpc="true"/>
           <a:lstStyle>
             <a:lvl1pPr algn="r" eaLnBrk="0" hangingPunct="0">
               <a:defRPr b="1">
                 <a:solidFill>
                   <a:srgbClr val="000000"/>
                 </a:solidFill>
-                <a:latin typeface="Arial" charset="0"/>
-                <a:ea typeface="ＭＳ Ｐゴシック" charset="0"/>
-                <a:cs typeface="ＭＳ Ｐゴシック" charset="0"/>
+                <a:latin typeface="Arial" panose="020B0604020202020204" pitchFamily="34" charset="0"/>
+                <a:ea typeface="MS PGothic" charset="0"/>
+                <a:cs typeface="MS PGothic" charset="0"/>
               </a:defRPr>
             </a:lvl1pPr>
           </a:lstStyle>
@@ -1974,10 +1907,6 @@
             </a:pPr>
             <a:fld id="{77EF9825-4C23-4085-A4E3-B5565466BD91}" type="slidenum">
               <a:rPr lang="en-US"/>
-              <a:pPr>
-                <a:defRPr/>
-              </a:pPr>
-              <a:t>‹#›</a:t>
             </a:fld>
             <a:endParaRPr lang="en-US" dirty="0"/>
           </a:p>
@@ -1987,7 +1916,7 @@
         <p:nvSpPr>
           <p:cNvPr id="1103877" name="Rectangle 5"/>
           <p:cNvSpPr>
-            <a:spLocks noGrp="1" noChangeArrowheads="1"/>
+            <a:spLocks noGrp="true" noChangeArrowheads="true"/>
           </p:cNvSpPr>
           <p:nvPr>
             <p:ph type="ftr" sz="quarter" idx="3"/>
@@ -2005,16 +1934,11 @@
           <a:ln w="9525">
             <a:noFill/>
             <a:miter lim="800000"/>
-            <a:headEnd/>
-            <a:tailEnd/>
           </a:ln>
           <a:effectLst/>
         </p:spPr>
         <p:txBody>
-          <a:bodyPr vert="horz" wrap="square" lIns="0" tIns="0" rIns="0" bIns="0" numCol="1" anchor="t" anchorCtr="0" compatLnSpc="1">
-            <a:prstTxWarp prst="textNoShape">
-              <a:avLst/>
-            </a:prstTxWarp>
+          <a:bodyPr vert="horz" wrap="square" lIns="0" tIns="0" rIns="0" bIns="0" numCol="1" anchor="t" anchorCtr="false" compatLnSpc="true">
             <a:spAutoFit/>
           </a:bodyPr>
           <a:lstStyle>
@@ -2040,19 +1964,20 @@
               <a:rPr lang="en-US" dirty="0"/>
               <a:t>Copyright © 2017 Elephant Scale. All rights reserved.</a:t>
             </a:r>
+            <a:endParaRPr lang="en-US" dirty="0"/>
           </a:p>
         </p:txBody>
       </p:sp>
       <p:pic>
         <p:nvPicPr>
           <p:cNvPr id="1030" name="Picture 6"/>
-          <p:cNvPicPr preferRelativeResize="0">
-            <a:picLocks noChangeArrowheads="1"/>
+          <p:cNvPicPr preferRelativeResize="false">
+            <a:picLocks noChangeArrowheads="true"/>
           </p:cNvPicPr>
           <p:nvPr/>
         </p:nvPicPr>
         <p:blipFill>
-          <a:blip r:embed="rId6"/>
+          <a:blip r:embed="rId5"/>
           <a:srcRect/>
           <a:stretch>
             <a:fillRect/>
@@ -2079,7 +2004,7 @@
         <p:nvSpPr>
           <p:cNvPr id="1031" name="Rectangle 7"/>
           <p:cNvSpPr>
-            <a:spLocks noGrp="1" noChangeArrowheads="1"/>
+            <a:spLocks noGrp="true" noChangeArrowheads="true"/>
           </p:cNvSpPr>
           <p:nvPr>
             <p:ph type="title"/>
@@ -2099,16 +2024,10 @@
           <a:ln w="9525">
             <a:noFill/>
             <a:miter lim="800000"/>
-            <a:headEnd/>
-            <a:tailEnd/>
           </a:ln>
         </p:spPr>
         <p:txBody>
-          <a:bodyPr vert="horz" wrap="square" lIns="92007" tIns="46005" rIns="92007" bIns="46005" numCol="1" anchor="b" anchorCtr="0" compatLnSpc="1">
-            <a:prstTxWarp prst="textNoShape">
-              <a:avLst/>
-            </a:prstTxWarp>
-          </a:bodyPr>
+          <a:bodyPr vert="horz" wrap="square" lIns="92007" tIns="46005" rIns="92007" bIns="46005" numCol="1" anchor="b" anchorCtr="false" compatLnSpc="true"/>
           <a:lstStyle/>
           <a:p>
             <a:pPr lvl="0"/>
@@ -2116,6 +2035,7 @@
               <a:rPr lang="en-US" dirty="0"/>
               <a:t>Click to edit Master title style</a:t>
             </a:r>
+            <a:endParaRPr lang="en-US" dirty="0"/>
           </a:p>
         </p:txBody>
       </p:sp>
@@ -2123,10 +2043,10 @@
   </p:cSld>
   <p:clrMap bg1="dk2" tx1="lt1" bg2="dk1" tx2="lt2" accent1="accent1" accent2="accent2" accent3="accent3" accent4="accent4" accent5="accent5" accent6="accent6" hlink="hlink" folHlink="folHlink"/>
   <p:sldLayoutIdLst>
-    <p:sldLayoutId id="2147483656" r:id="rId1"/>
-    <p:sldLayoutId id="2147483655" r:id="rId2"/>
-    <p:sldLayoutId id="2147483654" r:id="rId3"/>
-    <p:sldLayoutId id="2147483653" r:id="rId4"/>
+    <p:sldLayoutId id="2147483649" r:id="rId1"/>
+    <p:sldLayoutId id="2147483650" r:id="rId2"/>
+    <p:sldLayoutId id="2147483651" r:id="rId3"/>
+    <p:sldLayoutId id="2147483652" r:id="rId4"/>
   </p:sldLayoutIdLst>
   <p:hf hdr="0" dt="0"/>
   <p:txStyles>
@@ -2143,8 +2063,8 @@
             <a:schemeClr val="tx1"/>
           </a:solidFill>
           <a:latin typeface="+mj-lt"/>
-          <a:ea typeface="ＭＳ Ｐゴシック" pitchFamily="-110" charset="-128"/>
-          <a:cs typeface="ＭＳ Ｐゴシック" pitchFamily="-110" charset="-128"/>
+          <a:ea typeface="MS PGothic" pitchFamily="-110" charset="-128"/>
+          <a:cs typeface="MS PGothic" pitchFamily="-110" charset="-128"/>
         </a:defRPr>
       </a:lvl1pPr>
       <a:lvl2pPr algn="l" rtl="0" eaLnBrk="0" fontAlgn="base" hangingPunct="0">
@@ -2158,9 +2078,9 @@
           <a:solidFill>
             <a:schemeClr val="tx1"/>
           </a:solidFill>
-          <a:latin typeface="Verdana" pitchFamily="-110" charset="0"/>
-          <a:ea typeface="ＭＳ Ｐゴシック" pitchFamily="-110" charset="-128"/>
-          <a:cs typeface="ＭＳ Ｐゴシック" pitchFamily="-110" charset="-128"/>
+          <a:latin typeface="Verdana" panose="020B0604030504040204" pitchFamily="-110" charset="0"/>
+          <a:ea typeface="MS PGothic" pitchFamily="-110" charset="-128"/>
+          <a:cs typeface="MS PGothic" pitchFamily="-110" charset="-128"/>
         </a:defRPr>
       </a:lvl2pPr>
       <a:lvl3pPr algn="l" rtl="0" eaLnBrk="0" fontAlgn="base" hangingPunct="0">
@@ -2174,9 +2094,9 @@
           <a:solidFill>
             <a:schemeClr val="tx1"/>
           </a:solidFill>
-          <a:latin typeface="Verdana" pitchFamily="-110" charset="0"/>
-          <a:ea typeface="ＭＳ Ｐゴシック" pitchFamily="-110" charset="-128"/>
-          <a:cs typeface="ＭＳ Ｐゴシック" pitchFamily="-110" charset="-128"/>
+          <a:latin typeface="Verdana" panose="020B0604030504040204" pitchFamily="-110" charset="0"/>
+          <a:ea typeface="MS PGothic" pitchFamily="-110" charset="-128"/>
+          <a:cs typeface="MS PGothic" pitchFamily="-110" charset="-128"/>
         </a:defRPr>
       </a:lvl3pPr>
       <a:lvl4pPr algn="l" rtl="0" eaLnBrk="0" fontAlgn="base" hangingPunct="0">
@@ -2190,9 +2110,9 @@
           <a:solidFill>
             <a:schemeClr val="tx1"/>
           </a:solidFill>
-          <a:latin typeface="Verdana" pitchFamily="-110" charset="0"/>
-          <a:ea typeface="ＭＳ Ｐゴシック" pitchFamily="-110" charset="-128"/>
-          <a:cs typeface="ＭＳ Ｐゴシック" pitchFamily="-110" charset="-128"/>
+          <a:latin typeface="Verdana" panose="020B0604030504040204" pitchFamily="-110" charset="0"/>
+          <a:ea typeface="MS PGothic" pitchFamily="-110" charset="-128"/>
+          <a:cs typeface="MS PGothic" pitchFamily="-110" charset="-128"/>
         </a:defRPr>
       </a:lvl4pPr>
       <a:lvl5pPr algn="l" rtl="0" eaLnBrk="0" fontAlgn="base" hangingPunct="0">
@@ -2206,9 +2126,9 @@
           <a:solidFill>
             <a:schemeClr val="tx1"/>
           </a:solidFill>
-          <a:latin typeface="Verdana" pitchFamily="-110" charset="0"/>
-          <a:ea typeface="ＭＳ Ｐゴシック" pitchFamily="-110" charset="-128"/>
-          <a:cs typeface="ＭＳ Ｐゴシック" pitchFamily="-110" charset="-128"/>
+          <a:latin typeface="Verdana" panose="020B0604030504040204" pitchFamily="-110" charset="0"/>
+          <a:ea typeface="MS PGothic" pitchFamily="-110" charset="-128"/>
+          <a:cs typeface="MS PGothic" pitchFamily="-110" charset="-128"/>
         </a:defRPr>
       </a:lvl5pPr>
       <a:lvl6pPr marL="457200" algn="l" rtl="0" eaLnBrk="0" fontAlgn="base" hangingPunct="0">
@@ -2222,7 +2142,7 @@
           <a:solidFill>
             <a:schemeClr val="tx1"/>
           </a:solidFill>
-          <a:latin typeface="Verdana" pitchFamily="-110" charset="0"/>
+          <a:latin typeface="Verdana" panose="020B0604030504040204" pitchFamily="-110" charset="0"/>
         </a:defRPr>
       </a:lvl6pPr>
       <a:lvl7pPr marL="914400" algn="l" rtl="0" eaLnBrk="0" fontAlgn="base" hangingPunct="0">
@@ -2236,7 +2156,7 @@
           <a:solidFill>
             <a:schemeClr val="tx1"/>
           </a:solidFill>
-          <a:latin typeface="Verdana" pitchFamily="-110" charset="0"/>
+          <a:latin typeface="Verdana" panose="020B0604030504040204" pitchFamily="-110" charset="0"/>
         </a:defRPr>
       </a:lvl7pPr>
       <a:lvl8pPr marL="1371600" algn="l" rtl="0" eaLnBrk="0" fontAlgn="base" hangingPunct="0">
@@ -2250,7 +2170,7 @@
           <a:solidFill>
             <a:schemeClr val="tx1"/>
           </a:solidFill>
-          <a:latin typeface="Verdana" pitchFamily="-110" charset="0"/>
+          <a:latin typeface="Verdana" panose="020B0604030504040204" pitchFamily="-110" charset="0"/>
         </a:defRPr>
       </a:lvl8pPr>
       <a:lvl9pPr marL="1828800" algn="l" rtl="0" eaLnBrk="0" fontAlgn="base" hangingPunct="0">
@@ -2264,12 +2184,12 @@
           <a:solidFill>
             <a:schemeClr val="tx1"/>
           </a:solidFill>
-          <a:latin typeface="Verdana" pitchFamily="-110" charset="0"/>
+          <a:latin typeface="Verdana" panose="020B0604030504040204" pitchFamily="-110" charset="0"/>
         </a:defRPr>
       </a:lvl9pPr>
     </p:titleStyle>
     <p:bodyStyle>
-      <a:lvl1pPr marL="290513" indent="-290513" algn="l" rtl="0" eaLnBrk="0" fontAlgn="base" hangingPunct="0">
+      <a:lvl1pPr marL="290830" indent="-290830" algn="l" rtl="0" eaLnBrk="0" fontAlgn="base" hangingPunct="0">
         <a:spcBef>
           <a:spcPct val="20000"/>
         </a:spcBef>
@@ -2280,18 +2200,18 @@
           <a:schemeClr val="tx2"/>
         </a:buClr>
         <a:buSzPct val="65000"/>
-        <a:buFont typeface="Wingdings" pitchFamily="2" charset="2"/>
+        <a:buFont typeface="Wingdings" panose="05000000000000000000" pitchFamily="2" charset="2"/>
         <a:buChar char=""/>
         <a:defRPr sz="2400">
           <a:solidFill>
             <a:srgbClr val="000000"/>
           </a:solidFill>
           <a:latin typeface="+mn-lt"/>
-          <a:ea typeface="ＭＳ Ｐゴシック" pitchFamily="-110" charset="-128"/>
-          <a:cs typeface="ＭＳ Ｐゴシック" pitchFamily="-110" charset="-128"/>
+          <a:ea typeface="MS PGothic" pitchFamily="-110" charset="-128"/>
+          <a:cs typeface="MS PGothic" pitchFamily="-110" charset="-128"/>
         </a:defRPr>
       </a:lvl1pPr>
-      <a:lvl2pPr marL="633413" indent="-228600" algn="l" rtl="0" eaLnBrk="0" fontAlgn="base" hangingPunct="0">
+      <a:lvl2pPr marL="633730" indent="-228600" algn="l" rtl="0" eaLnBrk="0" fontAlgn="base" hangingPunct="0">
         <a:spcBef>
           <a:spcPct val="20000"/>
         </a:spcBef>
@@ -2307,11 +2227,11 @@
             <a:srgbClr val="000000"/>
           </a:solidFill>
           <a:latin typeface="+mn-lt"/>
-          <a:ea typeface="ＭＳ Ｐゴシック" pitchFamily="-110" charset="-128"/>
-          <a:cs typeface="ＭＳ Ｐゴシック"/>
+          <a:ea typeface="MS PGothic" pitchFamily="-110" charset="-128"/>
+          <a:cs typeface="MS PGothic"/>
         </a:defRPr>
       </a:lvl2pPr>
-      <a:lvl3pPr marL="969963" indent="-222250" algn="l" rtl="0" eaLnBrk="0" fontAlgn="base" hangingPunct="0">
+      <a:lvl3pPr marL="970280" indent="-222250" algn="l" rtl="0" eaLnBrk="0" fontAlgn="base" hangingPunct="0">
         <a:spcBef>
           <a:spcPct val="20000"/>
         </a:spcBef>
@@ -2324,11 +2244,11 @@
             <a:srgbClr val="000000"/>
           </a:solidFill>
           <a:latin typeface="+mn-lt"/>
-          <a:ea typeface="ＭＳ Ｐゴシック" pitchFamily="-110" charset="-128"/>
-          <a:cs typeface="ＭＳ Ｐゴシック"/>
+          <a:ea typeface="MS PGothic" pitchFamily="-110" charset="-128"/>
+          <a:cs typeface="MS PGothic"/>
         </a:defRPr>
       </a:lvl3pPr>
-      <a:lvl4pPr marL="1258888" indent="-228600" algn="l" rtl="0" eaLnBrk="0" fontAlgn="base" hangingPunct="0">
+      <a:lvl4pPr marL="1259205" indent="-228600" algn="l" rtl="0" eaLnBrk="0" fontAlgn="base" hangingPunct="0">
         <a:spcBef>
           <a:spcPct val="0"/>
         </a:spcBef>
@@ -2346,11 +2266,11 @@
             <a:srgbClr val="000000"/>
           </a:solidFill>
           <a:latin typeface="+mn-lt"/>
-          <a:ea typeface="ＭＳ Ｐゴシック" pitchFamily="-110" charset="-128"/>
-          <a:cs typeface="ＭＳ Ｐゴシック"/>
+          <a:ea typeface="MS PGothic" pitchFamily="-110" charset="-128"/>
+          <a:cs typeface="MS PGothic"/>
         </a:defRPr>
       </a:lvl4pPr>
-      <a:lvl5pPr marL="2055813" indent="-230188" algn="l" rtl="0" eaLnBrk="0" fontAlgn="base" hangingPunct="0">
+      <a:lvl5pPr marL="2056130" indent="-230505" algn="l" rtl="0" eaLnBrk="0" fontAlgn="base" hangingPunct="0">
         <a:spcBef>
           <a:spcPct val="20000"/>
         </a:spcBef>
@@ -2364,12 +2284,12 @@
           <a:solidFill>
             <a:schemeClr val="tx1"/>
           </a:solidFill>
-          <a:latin typeface="Times New Roman" pitchFamily="-110" charset="0"/>
-          <a:ea typeface="ＭＳ Ｐゴシック" pitchFamily="-110" charset="-128"/>
-          <a:cs typeface="ＭＳ Ｐゴシック"/>
+          <a:latin typeface="Times New Roman" panose="02020603050405020304" charset="0"/>
+          <a:ea typeface="MS PGothic" pitchFamily="-110" charset="-128"/>
+          <a:cs typeface="MS PGothic"/>
         </a:defRPr>
       </a:lvl5pPr>
-      <a:lvl6pPr marL="2513013" indent="-230188" algn="l" rtl="0" eaLnBrk="0" fontAlgn="base" hangingPunct="0">
+      <a:lvl6pPr marL="2513330" indent="-230505" algn="l" rtl="0" eaLnBrk="0" fontAlgn="base" hangingPunct="0">
         <a:spcBef>
           <a:spcPct val="20000"/>
         </a:spcBef>
@@ -2383,11 +2303,11 @@
           <a:solidFill>
             <a:schemeClr val="tx1"/>
           </a:solidFill>
-          <a:latin typeface="Times New Roman" pitchFamily="-110" charset="0"/>
-          <a:ea typeface="ＭＳ Ｐゴシック" pitchFamily="-110" charset="-128"/>
+          <a:latin typeface="Times New Roman" panose="02020603050405020304" charset="0"/>
+          <a:ea typeface="MS PGothic" pitchFamily="-110" charset="-128"/>
         </a:defRPr>
       </a:lvl6pPr>
-      <a:lvl7pPr marL="2970213" indent="-230188" algn="l" rtl="0" eaLnBrk="0" fontAlgn="base" hangingPunct="0">
+      <a:lvl7pPr marL="2970530" indent="-230505" algn="l" rtl="0" eaLnBrk="0" fontAlgn="base" hangingPunct="0">
         <a:spcBef>
           <a:spcPct val="20000"/>
         </a:spcBef>
@@ -2401,11 +2321,11 @@
           <a:solidFill>
             <a:schemeClr val="tx1"/>
           </a:solidFill>
-          <a:latin typeface="Times New Roman" pitchFamily="-110" charset="0"/>
-          <a:ea typeface="ＭＳ Ｐゴシック" pitchFamily="-110" charset="-128"/>
+          <a:latin typeface="Times New Roman" panose="02020603050405020304" charset="0"/>
+          <a:ea typeface="MS PGothic" pitchFamily="-110" charset="-128"/>
         </a:defRPr>
       </a:lvl7pPr>
-      <a:lvl8pPr marL="3427413" indent="-230188" algn="l" rtl="0" eaLnBrk="0" fontAlgn="base" hangingPunct="0">
+      <a:lvl8pPr marL="3427730" indent="-230505" algn="l" rtl="0" eaLnBrk="0" fontAlgn="base" hangingPunct="0">
         <a:spcBef>
           <a:spcPct val="20000"/>
         </a:spcBef>
@@ -2419,11 +2339,11 @@
           <a:solidFill>
             <a:schemeClr val="tx1"/>
           </a:solidFill>
-          <a:latin typeface="Times New Roman" pitchFamily="-110" charset="0"/>
-          <a:ea typeface="ＭＳ Ｐゴシック" pitchFamily="-110" charset="-128"/>
+          <a:latin typeface="Times New Roman" panose="02020603050405020304" charset="0"/>
+          <a:ea typeface="MS PGothic" pitchFamily="-110" charset="-128"/>
         </a:defRPr>
       </a:lvl8pPr>
-      <a:lvl9pPr marL="3884613" indent="-230188" algn="l" rtl="0" eaLnBrk="0" fontAlgn="base" hangingPunct="0">
+      <a:lvl9pPr marL="3884930" indent="-230505" algn="l" rtl="0" eaLnBrk="0" fontAlgn="base" hangingPunct="0">
         <a:spcBef>
           <a:spcPct val="20000"/>
         </a:spcBef>
@@ -2437,8 +2357,8 @@
           <a:solidFill>
             <a:schemeClr val="tx1"/>
           </a:solidFill>
-          <a:latin typeface="Times New Roman" pitchFamily="-110" charset="0"/>
-          <a:ea typeface="ＭＳ Ｐゴシック" pitchFamily="-110" charset="-128"/>
+          <a:latin typeface="Times New Roman" panose="02020603050405020304" charset="0"/>
+          <a:ea typeface="MS PGothic" pitchFamily="-110" charset="-128"/>
         </a:defRPr>
       </a:lvl9pPr>
     </p:bodyStyle>
@@ -2542,7 +2462,7 @@
 </file>
 
 <file path=ppt/slides/slide1.xml><?xml version="1.0" encoding="utf-8"?>
-<p:sld xmlns:a="http://schemas.openxmlformats.org/drawingml/2006/main" xmlns:p="http://schemas.openxmlformats.org/presentationml/2006/main" xmlns:r="http://schemas.openxmlformats.org/officeDocument/2006/relationships">
+<p:sld xmlns:a="http://schemas.openxmlformats.org/drawingml/2006/main" xmlns:r="http://schemas.openxmlformats.org/officeDocument/2006/relationships" xmlns:p="http://schemas.openxmlformats.org/presentationml/2006/main">
   <p:cSld>
     <p:spTree>
       <p:nvGrpSpPr>
@@ -2555,10 +2475,10 @@
         <p:nvSpPr>
           <p:cNvPr id="2" name="Subtitle 1"/>
           <p:cNvSpPr>
-            <a:spLocks noGrp="1"/>
-          </p:cNvSpPr>
-          <p:nvPr>
-            <p:ph type="subTitle" idx="1" sz="quarter"/>
+            <a:spLocks noGrp="true"/>
+          </p:cNvSpPr>
+          <p:nvPr>
+            <p:ph type="subTitle" sz="quarter" idx="1"/>
           </p:nvPr>
         </p:nvSpPr>
         <p:spPr/>
@@ -2572,7 +2492,7 @@
         <p:nvSpPr>
           <p:cNvPr id="3" name="Title 2"/>
           <p:cNvSpPr>
-            <a:spLocks noGrp="1"/>
+            <a:spLocks noGrp="true"/>
           </p:cNvSpPr>
           <p:nvPr>
             <p:ph type="ctrTitle" sz="quarter"/>
@@ -2595,7 +2515,7 @@
       <p:sp>
         <p:nvSpPr>
           <p:cNvPr id="4" name="TextBox 3"/>
-          <p:cNvSpPr txBox="1"/>
+          <p:cNvSpPr txBox="true"/>
           <p:nvPr/>
         </p:nvSpPr>
         <p:spPr>
@@ -2622,6 +2542,11 @@
               </a:rPr>
               <a:t>Copyright © 2021 by Elephant Scale, All Rights Reserved</a:t>
             </a:r>
+            <a:endParaRPr sz="800">
+              <a:solidFill>
+                <a:srgbClr val="000000"/>
+              </a:solidFill>
+            </a:endParaRPr>
           </a:p>
         </p:txBody>
       </p:sp>
@@ -2634,7 +2559,7 @@
 </file>
 
 <file path=ppt/slides/slide10.xml><?xml version="1.0" encoding="utf-8"?>
-<p:sld xmlns:a="http://schemas.openxmlformats.org/drawingml/2006/main" xmlns:p="http://schemas.openxmlformats.org/presentationml/2006/main" xmlns:r="http://schemas.openxmlformats.org/officeDocument/2006/relationships">
+<p:sld xmlns:a="http://schemas.openxmlformats.org/drawingml/2006/main" xmlns:r="http://schemas.openxmlformats.org/officeDocument/2006/relationships" xmlns:p="http://schemas.openxmlformats.org/presentationml/2006/main">
   <p:cSld>
     <p:spTree>
       <p:nvGrpSpPr>
@@ -2647,7 +2572,7 @@
         <p:nvSpPr>
           <p:cNvPr id="2" name="Title 1"/>
           <p:cNvSpPr>
-            <a:spLocks noGrp="1"/>
+            <a:spLocks noGrp="true"/>
           </p:cNvSpPr>
           <p:nvPr>
             <p:ph type="title"/>
@@ -2659,7 +2584,7 @@
           <a:lstStyle/>
           <a:p>
             <a:r>
-              <a:t>Ad Hoc Scripts</a:t>
+              <a:t>Configuration Management Tools</a:t>
             </a:r>
           </a:p>
         </p:txBody>
@@ -2668,7 +2593,7 @@
         <p:nvSpPr>
           <p:cNvPr id="3" name="Content Placeholder 2"/>
           <p:cNvSpPr>
-            <a:spLocks noGrp="1"/>
+            <a:spLocks noGrp="true"/>
           </p:cNvSpPr>
           <p:nvPr>
             <p:ph idx="1"/>
@@ -2678,8 +2603,16 @@
         <p:txBody>
           <a:bodyPr/>
           <a:lstStyle/>
-          <a:p/>
-          <a:p/>
+          <a:p>
+            <a:r>
+              <a:t> Chef, Puppet, Ansible, and SaltStack</a:t>
+            </a:r>
+          </a:p>
+          <a:p>
+            <a:r>
+              <a:t> Example of Ansible script</a:t>
+            </a:r>
+          </a:p>
           <a:p/>
           <a:p/>
           <a:p/>
@@ -2697,7 +2630,7 @@
       <p:sp>
         <p:nvSpPr>
           <p:cNvPr id="4" name="TextBox 3"/>
-          <p:cNvSpPr txBox="1"/>
+          <p:cNvSpPr txBox="true"/>
           <p:nvPr/>
         </p:nvSpPr>
         <p:spPr>
@@ -2724,153 +2657,24 @@
               </a:rPr>
               <a:t>Copyright © 2021 by Elephant Scale, All Rights Reserved</a:t>
             </a:r>
+            <a:endParaRPr sz="800">
+              <a:solidFill>
+                <a:srgbClr val="000000"/>
+              </a:solidFill>
+            </a:endParaRPr>
           </a:p>
         </p:txBody>
       </p:sp>
       <p:pic>
         <p:nvPicPr>
-          <p:cNvPr id="5" name="Picture 4" descr="ad-hoc-script.png"/>
+          <p:cNvPr id="5" name="Picture 4" descr="ansible.png"/>
           <p:cNvPicPr>
-            <a:picLocks noChangeAspect="1"/>
+            <a:picLocks noChangeAspect="true"/>
           </p:cNvPicPr>
           <p:nvPr/>
         </p:nvPicPr>
         <p:blipFill>
-          <a:blip r:embed="rId2"/>
-          <a:stretch>
-            <a:fillRect/>
-          </a:stretch>
-        </p:blipFill>
-        <p:spPr>
-          <a:xfrm>
-            <a:off x="704088" y="914400"/>
-            <a:ext cx="7507224" cy="4930117"/>
-          </a:xfrm>
-          <a:prstGeom prst="rect">
-            <a:avLst/>
-          </a:prstGeom>
-        </p:spPr>
-      </p:pic>
-    </p:spTree>
-  </p:cSld>
-  <p:clrMapOvr>
-    <a:masterClrMapping/>
-  </p:clrMapOvr>
-</p:sld>
-</file>
-
-<file path=ppt/slides/slide11.xml><?xml version="1.0" encoding="utf-8"?>
-<p:sld xmlns:a="http://schemas.openxmlformats.org/drawingml/2006/main" xmlns:p="http://schemas.openxmlformats.org/presentationml/2006/main" xmlns:r="http://schemas.openxmlformats.org/officeDocument/2006/relationships">
-  <p:cSld>
-    <p:spTree>
-      <p:nvGrpSpPr>
-        <p:cNvPr id="1" name=""/>
-        <p:cNvGrpSpPr/>
-        <p:nvPr/>
-      </p:nvGrpSpPr>
-      <p:grpSpPr/>
-      <p:sp>
-        <p:nvSpPr>
-          <p:cNvPr id="2" name="Title 1"/>
-          <p:cNvSpPr>
-            <a:spLocks noGrp="1"/>
-          </p:cNvSpPr>
-          <p:nvPr>
-            <p:ph type="title"/>
-          </p:nvPr>
-        </p:nvSpPr>
-        <p:spPr/>
-        <p:txBody>
-          <a:bodyPr/>
-          <a:lstStyle/>
-          <a:p>
-            <a:r>
-              <a:t>Configuration Management Tools</a:t>
-            </a:r>
-          </a:p>
-        </p:txBody>
-      </p:sp>
-      <p:sp>
-        <p:nvSpPr>
-          <p:cNvPr id="3" name="Content Placeholder 2"/>
-          <p:cNvSpPr>
-            <a:spLocks noGrp="1"/>
-          </p:cNvSpPr>
-          <p:nvPr>
-            <p:ph idx="1"/>
-          </p:nvPr>
-        </p:nvSpPr>
-        <p:spPr/>
-        <p:txBody>
-          <a:bodyPr/>
-          <a:lstStyle/>
-          <a:p>
-            <a:r>
-              <a:t> Chef, Puppet, Ansible, and SaltStack</a:t>
-            </a:r>
-          </a:p>
-          <a:p>
-            <a:r>
-              <a:t> Example of Ansible script</a:t>
-            </a:r>
-          </a:p>
-          <a:p/>
-          <a:p/>
-          <a:p/>
-          <a:p/>
-          <a:p/>
-          <a:p/>
-          <a:p/>
-          <a:p/>
-          <a:p/>
-          <a:p/>
-          <a:p/>
-          <a:p/>
-        </p:txBody>
-      </p:sp>
-      <p:sp>
-        <p:nvSpPr>
-          <p:cNvPr id="4" name="TextBox 3"/>
-          <p:cNvSpPr txBox="1"/>
-          <p:nvPr/>
-        </p:nvSpPr>
-        <p:spPr>
-          <a:xfrm>
-            <a:off x="704088" y="8065008"/>
-            <a:ext cx="8915400" cy="228600"/>
-          </a:xfrm>
-          <a:prstGeom prst="rect">
-            <a:avLst/>
-          </a:prstGeom>
-          <a:noFill/>
-        </p:spPr>
-        <p:txBody>
-          <a:bodyPr wrap="none">
-            <a:spAutoFit/>
-          </a:bodyPr>
-          <a:lstStyle/>
-          <a:p>
-            <a:r>
-              <a:rPr sz="800">
-                <a:solidFill>
-                  <a:srgbClr val="000000"/>
-                </a:solidFill>
-              </a:rPr>
-              <a:t>Copyright © 2021 by Elephant Scale, All Rights Reserved</a:t>
-            </a:r>
-          </a:p>
-        </p:txBody>
-      </p:sp>
-      <p:pic>
-        <p:nvPicPr>
-          <p:cNvPr id="5" name="Picture 4" descr="ansible.png"/>
-          <p:cNvPicPr>
-            <a:picLocks noChangeAspect="1"/>
-          </p:cNvPicPr>
-          <p:nvPr/>
-        </p:nvPicPr>
-        <p:blipFill>
-          <a:blip r:embed="rId2"/>
+          <a:blip r:embed="rId1"/>
           <a:stretch>
             <a:fillRect/>
           </a:stretch>
@@ -2893,8 +2697,8 @@
 </p:sld>
 </file>
 
-<file path=ppt/slides/slide12.xml><?xml version="1.0" encoding="utf-8"?>
-<p:sld xmlns:a="http://schemas.openxmlformats.org/drawingml/2006/main" xmlns:p="http://schemas.openxmlformats.org/presentationml/2006/main" xmlns:r="http://schemas.openxmlformats.org/officeDocument/2006/relationships">
+<file path=ppt/slides/slide11.xml><?xml version="1.0" encoding="utf-8"?>
+<p:sld xmlns:a="http://schemas.openxmlformats.org/drawingml/2006/main" xmlns:r="http://schemas.openxmlformats.org/officeDocument/2006/relationships" xmlns:p="http://schemas.openxmlformats.org/presentationml/2006/main">
   <p:cSld>
     <p:spTree>
       <p:nvGrpSpPr>
@@ -2907,7 +2711,7 @@
         <p:nvSpPr>
           <p:cNvPr id="2" name="Title 1"/>
           <p:cNvSpPr>
-            <a:spLocks noGrp="1"/>
+            <a:spLocks noGrp="true"/>
           </p:cNvSpPr>
           <p:nvPr>
             <p:ph type="title"/>
@@ -2928,7 +2732,7 @@
         <p:nvSpPr>
           <p:cNvPr id="3" name="Content Placeholder 2"/>
           <p:cNvSpPr>
-            <a:spLocks noGrp="1"/>
+            <a:spLocks noGrp="true"/>
           </p:cNvSpPr>
           <p:nvPr>
             <p:ph idx="1"/>
@@ -2961,7 +2765,7 @@
       <p:sp>
         <p:nvSpPr>
           <p:cNvPr id="4" name="TextBox 3"/>
-          <p:cNvSpPr txBox="1"/>
+          <p:cNvSpPr txBox="true"/>
           <p:nvPr/>
         </p:nvSpPr>
         <p:spPr>
@@ -2988,6 +2792,11 @@
               </a:rPr>
               <a:t>Copyright © 2021 by Elephant Scale, All Rights Reserved</a:t>
             </a:r>
+            <a:endParaRPr sz="800">
+              <a:solidFill>
+                <a:srgbClr val="000000"/>
+              </a:solidFill>
+            </a:endParaRPr>
           </a:p>
         </p:txBody>
       </p:sp>
@@ -2995,20 +2804,20 @@
         <p:nvPicPr>
           <p:cNvPr id="5" name="Picture 4" descr="packer-script.png"/>
           <p:cNvPicPr>
-            <a:picLocks noChangeAspect="1"/>
+            <a:picLocks noChangeAspect="true"/>
           </p:cNvPicPr>
           <p:nvPr/>
         </p:nvPicPr>
         <p:blipFill>
-          <a:blip r:embed="rId2"/>
+          <a:blip r:embed="rId1"/>
           <a:stretch>
             <a:fillRect/>
           </a:stretch>
         </p:blipFill>
         <p:spPr>
           <a:xfrm>
-            <a:off x="704088" y="1353312"/>
-            <a:ext cx="7507224" cy="9645736"/>
+            <a:off x="836930" y="1840865"/>
+            <a:ext cx="4351020" cy="5590540"/>
           </a:xfrm>
           <a:prstGeom prst="rect">
             <a:avLst/>
@@ -3023,8 +2832,8 @@
 </p:sld>
 </file>
 
-<file path=ppt/slides/slide13.xml><?xml version="1.0" encoding="utf-8"?>
-<p:sld xmlns:a="http://schemas.openxmlformats.org/drawingml/2006/main" xmlns:p="http://schemas.openxmlformats.org/presentationml/2006/main" xmlns:r="http://schemas.openxmlformats.org/officeDocument/2006/relationships">
+<file path=ppt/slides/slide12.xml><?xml version="1.0" encoding="utf-8"?>
+<p:sld xmlns:a="http://schemas.openxmlformats.org/drawingml/2006/main" xmlns:r="http://schemas.openxmlformats.org/officeDocument/2006/relationships" xmlns:p="http://schemas.openxmlformats.org/presentationml/2006/main">
   <p:cSld>
     <p:spTree>
       <p:nvGrpSpPr>
@@ -3037,7 +2846,7 @@
         <p:nvSpPr>
           <p:cNvPr id="2" name="Title 1"/>
           <p:cNvSpPr>
-            <a:spLocks noGrp="1"/>
+            <a:spLocks noGrp="true"/>
           </p:cNvSpPr>
           <p:nvPr>
             <p:ph type="title"/>
@@ -3058,7 +2867,7 @@
         <p:nvSpPr>
           <p:cNvPr id="3" name="Content Placeholder 2"/>
           <p:cNvSpPr>
-            <a:spLocks noGrp="1"/>
+            <a:spLocks noGrp="true"/>
           </p:cNvSpPr>
           <p:nvPr>
             <p:ph idx="1"/>
@@ -3087,7 +2896,7 @@
       <p:sp>
         <p:nvSpPr>
           <p:cNvPr id="4" name="TextBox 3"/>
-          <p:cNvSpPr txBox="1"/>
+          <p:cNvSpPr txBox="true"/>
           <p:nvPr/>
         </p:nvSpPr>
         <p:spPr>
@@ -3114,6 +2923,11 @@
               </a:rPr>
               <a:t>Copyright © 2021 by Elephant Scale, All Rights Reserved</a:t>
             </a:r>
+            <a:endParaRPr sz="800">
+              <a:solidFill>
+                <a:srgbClr val="000000"/>
+              </a:solidFill>
+            </a:endParaRPr>
           </a:p>
         </p:txBody>
       </p:sp>
@@ -3121,12 +2935,12 @@
         <p:nvPicPr>
           <p:cNvPr id="5" name="Picture 4" descr="images-containers.png"/>
           <p:cNvPicPr>
-            <a:picLocks noChangeAspect="1"/>
+            <a:picLocks noChangeAspect="true"/>
           </p:cNvPicPr>
           <p:nvPr/>
         </p:nvPicPr>
         <p:blipFill>
-          <a:blip r:embed="rId2"/>
+          <a:blip r:embed="rId1"/>
           <a:stretch>
             <a:fillRect/>
           </a:stretch>
@@ -3149,8 +2963,8 @@
 </p:sld>
 </file>
 
-<file path=ppt/slides/slide14.xml><?xml version="1.0" encoding="utf-8"?>
-<p:sld xmlns:a="http://schemas.openxmlformats.org/drawingml/2006/main" xmlns:p="http://schemas.openxmlformats.org/presentationml/2006/main" xmlns:r="http://schemas.openxmlformats.org/officeDocument/2006/relationships">
+<file path=ppt/slides/slide13.xml><?xml version="1.0" encoding="utf-8"?>
+<p:sld xmlns:a="http://schemas.openxmlformats.org/drawingml/2006/main" xmlns:r="http://schemas.openxmlformats.org/officeDocument/2006/relationships" xmlns:p="http://schemas.openxmlformats.org/presentationml/2006/main">
   <p:cSld>
     <p:spTree>
       <p:nvGrpSpPr>
@@ -3163,7 +2977,7 @@
         <p:nvSpPr>
           <p:cNvPr id="2" name="Title 1"/>
           <p:cNvSpPr>
-            <a:spLocks noGrp="1"/>
+            <a:spLocks noGrp="true"/>
           </p:cNvSpPr>
           <p:nvPr>
             <p:ph type="title"/>
@@ -3184,7 +2998,7 @@
         <p:nvSpPr>
           <p:cNvPr id="3" name="Content Placeholder 2"/>
           <p:cNvSpPr>
-            <a:spLocks noGrp="1"/>
+            <a:spLocks noGrp="true"/>
           </p:cNvSpPr>
           <p:nvPr>
             <p:ph idx="1"/>
@@ -3251,7 +3065,7 @@
       <p:sp>
         <p:nvSpPr>
           <p:cNvPr id="4" name="TextBox 3"/>
-          <p:cNvSpPr txBox="1"/>
+          <p:cNvSpPr txBox="true"/>
           <p:nvPr/>
         </p:nvSpPr>
         <p:spPr>
@@ -3278,6 +3092,11 @@
               </a:rPr>
               <a:t>Copyright © 2021 by Elephant Scale, All Rights Reserved</a:t>
             </a:r>
+            <a:endParaRPr sz="800">
+              <a:solidFill>
+                <a:srgbClr val="000000"/>
+              </a:solidFill>
+            </a:endParaRPr>
           </a:p>
         </p:txBody>
       </p:sp>
@@ -3289,8 +3108,8 @@
 </p:sld>
 </file>
 
-<file path=ppt/slides/slide15.xml><?xml version="1.0" encoding="utf-8"?>
-<p:sld xmlns:a="http://schemas.openxmlformats.org/drawingml/2006/main" xmlns:p="http://schemas.openxmlformats.org/presentationml/2006/main" xmlns:r="http://schemas.openxmlformats.org/officeDocument/2006/relationships">
+<file path=ppt/slides/slide14.xml><?xml version="1.0" encoding="utf-8"?>
+<p:sld xmlns:a="http://schemas.openxmlformats.org/drawingml/2006/main" xmlns:r="http://schemas.openxmlformats.org/officeDocument/2006/relationships" xmlns:p="http://schemas.openxmlformats.org/presentationml/2006/main">
   <p:cSld>
     <p:spTree>
       <p:nvGrpSpPr>
@@ -3303,7 +3122,7 @@
         <p:nvSpPr>
           <p:cNvPr id="2" name="Title 1"/>
           <p:cNvSpPr>
-            <a:spLocks noGrp="1"/>
+            <a:spLocks noGrp="true"/>
           </p:cNvSpPr>
           <p:nvPr>
             <p:ph type="title"/>
@@ -3324,7 +3143,7 @@
         <p:nvSpPr>
           <p:cNvPr id="3" name="Content Placeholder 2"/>
           <p:cNvSpPr>
-            <a:spLocks noGrp="1"/>
+            <a:spLocks noGrp="true"/>
           </p:cNvSpPr>
           <p:nvPr>
             <p:ph idx="1"/>
@@ -3375,7 +3194,7 @@
       <p:sp>
         <p:nvSpPr>
           <p:cNvPr id="4" name="TextBox 3"/>
-          <p:cNvSpPr txBox="1"/>
+          <p:cNvSpPr txBox="true"/>
           <p:nvPr/>
         </p:nvSpPr>
         <p:spPr>
@@ -3402,6 +3221,11 @@
               </a:rPr>
               <a:t>Copyright © 2021 by Elephant Scale, All Rights Reserved</a:t>
             </a:r>
+            <a:endParaRPr sz="800">
+              <a:solidFill>
+                <a:srgbClr val="000000"/>
+              </a:solidFill>
+            </a:endParaRPr>
           </a:p>
         </p:txBody>
       </p:sp>
@@ -3409,12 +3233,12 @@
         <p:nvPicPr>
           <p:cNvPr id="5" name="Picture 4" descr="800px-Hendrik_ter_Brugghen_-_Democritus.jpg"/>
           <p:cNvPicPr>
-            <a:picLocks noChangeAspect="1"/>
+            <a:picLocks noChangeAspect="true"/>
           </p:cNvPicPr>
           <p:nvPr/>
         </p:nvPicPr>
         <p:blipFill>
-          <a:blip r:embed="rId2"/>
+          <a:blip r:embed="rId1"/>
           <a:stretch>
             <a:fillRect/>
           </a:stretch>
@@ -3437,8 +3261,8 @@
 </p:sld>
 </file>
 
-<file path=ppt/slides/slide16.xml><?xml version="1.0" encoding="utf-8"?>
-<p:sld xmlns:a="http://schemas.openxmlformats.org/drawingml/2006/main" xmlns:p="http://schemas.openxmlformats.org/presentationml/2006/main" xmlns:r="http://schemas.openxmlformats.org/officeDocument/2006/relationships">
+<file path=ppt/slides/slide15.xml><?xml version="1.0" encoding="utf-8"?>
+<p:sld xmlns:a="http://schemas.openxmlformats.org/drawingml/2006/main" xmlns:r="http://schemas.openxmlformats.org/officeDocument/2006/relationships" xmlns:p="http://schemas.openxmlformats.org/presentationml/2006/main">
   <p:cSld>
     <p:spTree>
       <p:nvGrpSpPr>
@@ -3451,7 +3275,7 @@
         <p:nvSpPr>
           <p:cNvPr id="2" name="Title 1"/>
           <p:cNvSpPr>
-            <a:spLocks noGrp="1"/>
+            <a:spLocks noGrp="true"/>
           </p:cNvSpPr>
           <p:nvPr>
             <p:ph type="title"/>
@@ -3472,7 +3296,7 @@
         <p:nvSpPr>
           <p:cNvPr id="3" name="Content Placeholder 2"/>
           <p:cNvSpPr>
-            <a:spLocks noGrp="1"/>
+            <a:spLocks noGrp="true"/>
           </p:cNvSpPr>
           <p:nvPr>
             <p:ph idx="1"/>
@@ -3529,40 +3353,16 @@
             </a:r>
           </a:p>
           <a:p>
-            <a:r>
-              <a:t> D: Discuss</a:t>
-            </a:r>
-          </a:p>
-          <a:p>
-            <a:pPr lvl="1"/>
-            <a:r>
-              <a:t> How much does this apply to your use cases?</a:t>
-            </a:r>
-          </a:p>
-          <a:p>
-            <a:pPr lvl="1"/>
-            <a:r>
-              <a:t> Say you are a researcher who seldom uses dev and prod environment. Do you still see the benefits of IaC? Where?</a:t>
-            </a:r>
-          </a:p>
-          <a:p>
-            <a:pPr lvl="1"/>
-            <a:r>
-              <a:t> Again,</a:t>
-            </a:r>
-            <a:r>
-              <a:rPr>
-                <a:hlinkClick r:id="rId2"/>
-              </a:rPr>
-              <a:t> ResearchOps paper</a:t>
-            </a:r>
+            <a:endParaRPr>
+              <a:hlinkClick r:id="rId1"/>
+            </a:endParaRPr>
           </a:p>
         </p:txBody>
       </p:sp>
       <p:sp>
         <p:nvSpPr>
           <p:cNvPr id="4" name="TextBox 3"/>
-          <p:cNvSpPr txBox="1"/>
+          <p:cNvSpPr txBox="true"/>
           <p:nvPr/>
         </p:nvSpPr>
         <p:spPr>
@@ -3589,6 +3389,11 @@
               </a:rPr>
               <a:t>Copyright © 2021 by Elephant Scale, All Rights Reserved</a:t>
             </a:r>
+            <a:endParaRPr sz="800">
+              <a:solidFill>
+                <a:srgbClr val="000000"/>
+              </a:solidFill>
+            </a:endParaRPr>
           </a:p>
         </p:txBody>
       </p:sp>
@@ -3600,8 +3405,8 @@
 </p:sld>
 </file>
 
-<file path=ppt/slides/slide17.xml><?xml version="1.0" encoding="utf-8"?>
-<p:sld xmlns:a="http://schemas.openxmlformats.org/drawingml/2006/main" xmlns:p="http://schemas.openxmlformats.org/presentationml/2006/main" xmlns:r="http://schemas.openxmlformats.org/officeDocument/2006/relationships">
+<file path=ppt/slides/slide16.xml><?xml version="1.0" encoding="utf-8"?>
+<p:sld xmlns:a="http://schemas.openxmlformats.org/drawingml/2006/main" xmlns:r="http://schemas.openxmlformats.org/officeDocument/2006/relationships" xmlns:p="http://schemas.openxmlformats.org/presentationml/2006/main">
   <p:cSld>
     <p:spTree>
       <p:nvGrpSpPr>
@@ -3614,7 +3419,7 @@
         <p:nvSpPr>
           <p:cNvPr id="2" name="Title 1"/>
           <p:cNvSpPr>
-            <a:spLocks noGrp="1"/>
+            <a:spLocks noGrp="true"/>
           </p:cNvSpPr>
           <p:nvPr>
             <p:ph type="title"/>
@@ -3635,7 +3440,7 @@
         <p:nvSpPr>
           <p:cNvPr id="3" name="Content Placeholder 2"/>
           <p:cNvSpPr>
-            <a:spLocks noGrp="1"/>
+            <a:spLocks noGrp="true"/>
           </p:cNvSpPr>
           <p:nvPr>
             <p:ph idx="1"/>
@@ -3716,7 +3521,7 @@
       <p:sp>
         <p:nvSpPr>
           <p:cNvPr id="4" name="TextBox 3"/>
-          <p:cNvSpPr txBox="1"/>
+          <p:cNvSpPr txBox="true"/>
           <p:nvPr/>
         </p:nvSpPr>
         <p:spPr>
@@ -3743,6 +3548,11 @@
               </a:rPr>
               <a:t>Copyright © 2021 by Elephant Scale, All Rights Reserved</a:t>
             </a:r>
+            <a:endParaRPr sz="800">
+              <a:solidFill>
+                <a:srgbClr val="000000"/>
+              </a:solidFill>
+            </a:endParaRPr>
           </a:p>
         </p:txBody>
       </p:sp>
@@ -3754,8 +3564,8 @@
 </p:sld>
 </file>
 
-<file path=ppt/slides/slide18.xml><?xml version="1.0" encoding="utf-8"?>
-<p:sld xmlns:a="http://schemas.openxmlformats.org/drawingml/2006/main" xmlns:p="http://schemas.openxmlformats.org/presentationml/2006/main" xmlns:r="http://schemas.openxmlformats.org/officeDocument/2006/relationships">
+<file path=ppt/slides/slide17.xml><?xml version="1.0" encoding="utf-8"?>
+<p:sld xmlns:a="http://schemas.openxmlformats.org/drawingml/2006/main" xmlns:r="http://schemas.openxmlformats.org/officeDocument/2006/relationships" xmlns:p="http://schemas.openxmlformats.org/presentationml/2006/main">
   <p:cSld>
     <p:spTree>
       <p:nvGrpSpPr>
@@ -3768,7 +3578,7 @@
         <p:nvSpPr>
           <p:cNvPr id="2" name="Title 1"/>
           <p:cNvSpPr>
-            <a:spLocks noGrp="1"/>
+            <a:spLocks noGrp="true"/>
           </p:cNvSpPr>
           <p:nvPr>
             <p:ph type="title"/>
@@ -3789,7 +3599,7 @@
         <p:nvSpPr>
           <p:cNvPr id="3" name="Content Placeholder 2"/>
           <p:cNvSpPr>
-            <a:spLocks noGrp="1"/>
+            <a:spLocks noGrp="true"/>
           </p:cNvSpPr>
           <p:nvPr>
             <p:ph idx="1"/>
@@ -3810,10 +3620,13 @@
             </a:r>
             <a:r>
               <a:rPr>
-                <a:latin typeface="Courier New"/>
+                <a:latin typeface="Courier New" panose="02070309020205020404"/>
               </a:rPr>
               <a:t> terraform</a:t>
             </a:r>
+            <a:endParaRPr>
+              <a:latin typeface="Courier New" panose="02070309020205020404"/>
+            </a:endParaRPr>
           </a:p>
           <a:p>
             <a:r>
@@ -3832,7 +3645,7 @@
             </a:r>
             <a:r>
               <a:rPr>
-                <a:latin typeface="Courier New"/>
+                <a:latin typeface="Courier New" panose="02070309020205020404"/>
               </a:rPr>
               <a:t> terraform</a:t>
             </a:r>
@@ -3875,7 +3688,7 @@
       <p:sp>
         <p:nvSpPr>
           <p:cNvPr id="4" name="TextBox 3"/>
-          <p:cNvSpPr txBox="1"/>
+          <p:cNvSpPr txBox="true"/>
           <p:nvPr/>
         </p:nvSpPr>
         <p:spPr>
@@ -3902,6 +3715,11 @@
               </a:rPr>
               <a:t>Copyright © 2021 by Elephant Scale, All Rights Reserved</a:t>
             </a:r>
+            <a:endParaRPr sz="800">
+              <a:solidFill>
+                <a:srgbClr val="000000"/>
+              </a:solidFill>
+            </a:endParaRPr>
           </a:p>
         </p:txBody>
       </p:sp>
@@ -3913,8 +3731,8 @@
 </p:sld>
 </file>
 
-<file path=ppt/slides/slide19.xml><?xml version="1.0" encoding="utf-8"?>
-<p:sld xmlns:a="http://schemas.openxmlformats.org/drawingml/2006/main" xmlns:p="http://schemas.openxmlformats.org/presentationml/2006/main" xmlns:r="http://schemas.openxmlformats.org/officeDocument/2006/relationships">
+<file path=ppt/slides/slide18.xml><?xml version="1.0" encoding="utf-8"?>
+<p:sld xmlns:a="http://schemas.openxmlformats.org/drawingml/2006/main" xmlns:r="http://schemas.openxmlformats.org/officeDocument/2006/relationships" xmlns:p="http://schemas.openxmlformats.org/presentationml/2006/main">
   <p:cSld>
     <p:spTree>
       <p:nvGrpSpPr>
@@ -3927,7 +3745,7 @@
         <p:nvSpPr>
           <p:cNvPr id="2" name="Title 1"/>
           <p:cNvSpPr>
-            <a:spLocks noGrp="1"/>
+            <a:spLocks noGrp="true"/>
           </p:cNvSpPr>
           <p:nvPr>
             <p:ph type="title"/>
@@ -3948,7 +3766,7 @@
         <p:nvSpPr>
           <p:cNvPr id="3" name="Content Placeholder 2"/>
           <p:cNvSpPr>
-            <a:spLocks noGrp="1"/>
+            <a:spLocks noGrp="true"/>
           </p:cNvSpPr>
           <p:nvPr>
             <p:ph idx="1"/>
@@ -3977,7 +3795,7 @@
       <p:sp>
         <p:nvSpPr>
           <p:cNvPr id="4" name="TextBox 3"/>
-          <p:cNvSpPr txBox="1"/>
+          <p:cNvSpPr txBox="true"/>
           <p:nvPr/>
         </p:nvSpPr>
         <p:spPr>
@@ -4004,6 +3822,11 @@
               </a:rPr>
               <a:t>Copyright © 2021 by Elephant Scale, All Rights Reserved</a:t>
             </a:r>
+            <a:endParaRPr sz="800">
+              <a:solidFill>
+                <a:srgbClr val="000000"/>
+              </a:solidFill>
+            </a:endParaRPr>
           </a:p>
         </p:txBody>
       </p:sp>
@@ -4011,12 +3834,12 @@
         <p:nvPicPr>
           <p:cNvPr id="5" name="Picture 4" descr="terraform-and-other-tools.png"/>
           <p:cNvPicPr>
-            <a:picLocks noChangeAspect="1"/>
+            <a:picLocks noChangeAspect="true"/>
           </p:cNvPicPr>
           <p:nvPr/>
         </p:nvPicPr>
         <p:blipFill>
-          <a:blip r:embed="rId2"/>
+          <a:blip r:embed="rId1"/>
           <a:stretch>
             <a:fillRect/>
           </a:stretch>
@@ -4040,7 +3863,7 @@
 </file>
 
 <file path=ppt/slides/slide2.xml><?xml version="1.0" encoding="utf-8"?>
-<p:sld xmlns:a="http://schemas.openxmlformats.org/drawingml/2006/main" xmlns:p="http://schemas.openxmlformats.org/presentationml/2006/main" xmlns:r="http://schemas.openxmlformats.org/officeDocument/2006/relationships">
+<p:sld xmlns:a="http://schemas.openxmlformats.org/drawingml/2006/main" xmlns:r="http://schemas.openxmlformats.org/officeDocument/2006/relationships" xmlns:p="http://schemas.openxmlformats.org/presentationml/2006/main">
   <p:cSld>
     <p:spTree>
       <p:nvGrpSpPr>
@@ -4053,7 +3876,7 @@
         <p:nvSpPr>
           <p:cNvPr id="2" name="Title 1"/>
           <p:cNvSpPr>
-            <a:spLocks noGrp="1"/>
+            <a:spLocks noGrp="true"/>
           </p:cNvSpPr>
           <p:nvPr>
             <p:ph type="title"/>
@@ -4074,7 +3897,7 @@
         <p:nvSpPr>
           <p:cNvPr id="3" name="Content Placeholder 2"/>
           <p:cNvSpPr>
-            <a:spLocks noGrp="1"/>
+            <a:spLocks noGrp="true"/>
           </p:cNvSpPr>
           <p:nvPr>
             <p:ph idx="1"/>
@@ -4090,10 +3913,7 @@
               <a:t> IaC</a:t>
             </a:r>
             <a:r>
-              <a:t> (Infrastructure as Code) is one of the most important developments in application</a:t>
-            </a:r>
-            <a:r>
-              <a:t> deployment in many years.</a:t>
+              <a:t> (Infrastructure as Code) is one of the most important developments in application deployment in many years.</a:t>
             </a:r>
           </a:p>
           <a:p>
@@ -4105,10 +3925,7 @@
               <a:t> maverick</a:t>
             </a:r>
             <a:r>
-              <a:t> who appeared on the scene a few years ago and</a:t>
-            </a:r>
-            <a:r>
-              <a:t> became more popular than all other IaC implementations</a:t>
+              <a:t> who appeared on the scene a few years ago and became more popular than all other IaC implementations</a:t>
             </a:r>
           </a:p>
           <a:p>
@@ -4120,10 +3937,7 @@
               <a:t> open source</a:t>
             </a:r>
             <a:r>
-              <a:t> and can be used with any cloud provider,</a:t>
-            </a:r>
-            <a:r>
-              <a:t> such as Amazon Web Services, IBM Cloud, Google Cloud Platform, Microsoft Azure, etc.</a:t>
+              <a:t> and can be used with any cloud provider, such as Amazon Web Services, IBM Cloud, Google Cloud Platform, Microsoft Azure, etc.</a:t>
             </a:r>
           </a:p>
           <a:p>
@@ -4142,13 +3956,7 @@
               <a:t> idempotent</a:t>
             </a:r>
             <a:r>
-              <a:t> . These are good design principles,</a:t>
-            </a:r>
-            <a:r>
-              <a:t> and many competitors have also implemented Terraform ideas, making Terraform</a:t>
-            </a:r>
-            <a:r>
-              <a:t> a de facto standard</a:t>
+              <a:t> . These are good design principles, and many competitors have also implemented Terraform ideas, making Terraform a de facto standard</a:t>
             </a:r>
           </a:p>
           <a:p/>
@@ -4158,7 +3966,7 @@
       <p:sp>
         <p:nvSpPr>
           <p:cNvPr id="4" name="TextBox 3"/>
-          <p:cNvSpPr txBox="1"/>
+          <p:cNvSpPr txBox="true"/>
           <p:nvPr/>
         </p:nvSpPr>
         <p:spPr>
@@ -4185,6 +3993,11 @@
               </a:rPr>
               <a:t>Copyright © 2021 by Elephant Scale, All Rights Reserved</a:t>
             </a:r>
+            <a:endParaRPr sz="800">
+              <a:solidFill>
+                <a:srgbClr val="000000"/>
+              </a:solidFill>
+            </a:endParaRPr>
           </a:p>
         </p:txBody>
       </p:sp>
@@ -4192,12 +4005,12 @@
         <p:nvPicPr>
           <p:cNvPr id="5" name="Picture 4" descr="terraform-logo.png"/>
           <p:cNvPicPr>
-            <a:picLocks noChangeAspect="1"/>
+            <a:picLocks noChangeAspect="true"/>
           </p:cNvPicPr>
           <p:nvPr/>
         </p:nvPicPr>
         <p:blipFill>
-          <a:blip r:embed="rId2"/>
+          <a:blip r:embed="rId1"/>
           <a:stretch>
             <a:fillRect/>
           </a:stretch>
@@ -4221,7 +4034,7 @@
 </file>
 
 <file path=ppt/slides/slide3.xml><?xml version="1.0" encoding="utf-8"?>
-<p:sld xmlns:a="http://schemas.openxmlformats.org/drawingml/2006/main" xmlns:p="http://schemas.openxmlformats.org/presentationml/2006/main" xmlns:r="http://schemas.openxmlformats.org/officeDocument/2006/relationships">
+<p:sld xmlns:a="http://schemas.openxmlformats.org/drawingml/2006/main" xmlns:r="http://schemas.openxmlformats.org/officeDocument/2006/relationships" xmlns:p="http://schemas.openxmlformats.org/presentationml/2006/main">
   <p:cSld>
     <p:spTree>
       <p:nvGrpSpPr>
@@ -4234,7 +4047,7 @@
         <p:nvSpPr>
           <p:cNvPr id="2" name="Title 1"/>
           <p:cNvSpPr>
-            <a:spLocks noGrp="1"/>
+            <a:spLocks noGrp="true"/>
           </p:cNvSpPr>
           <p:nvPr>
             <p:ph type="title"/>
@@ -4255,7 +4068,7 @@
         <p:nvSpPr>
           <p:cNvPr id="3" name="Content Placeholder 2"/>
           <p:cNvSpPr>
-            <a:spLocks noGrp="1"/>
+            <a:spLocks noGrp="true"/>
           </p:cNvSpPr>
           <p:nvPr>
             <p:ph idx="1"/>
@@ -4291,7 +4104,7 @@
       <p:sp>
         <p:nvSpPr>
           <p:cNvPr id="4" name="TextBox 3"/>
-          <p:cNvSpPr txBox="1"/>
+          <p:cNvSpPr txBox="true"/>
           <p:nvPr/>
         </p:nvSpPr>
         <p:spPr>
@@ -4318,6 +4131,11 @@
               </a:rPr>
               <a:t>Copyright © 2021 by Elephant Scale, All Rights Reserved</a:t>
             </a:r>
+            <a:endParaRPr sz="800">
+              <a:solidFill>
+                <a:srgbClr val="000000"/>
+              </a:solidFill>
+            </a:endParaRPr>
           </a:p>
         </p:txBody>
       </p:sp>
@@ -4330,7 +4148,7 @@
 </file>
 
 <file path=ppt/slides/slide4.xml><?xml version="1.0" encoding="utf-8"?>
-<p:sld xmlns:a="http://schemas.openxmlformats.org/drawingml/2006/main" xmlns:p="http://schemas.openxmlformats.org/presentationml/2006/main" xmlns:r="http://schemas.openxmlformats.org/officeDocument/2006/relationships">
+<p:sld xmlns:a="http://schemas.openxmlformats.org/drawingml/2006/main" xmlns:r="http://schemas.openxmlformats.org/officeDocument/2006/relationships" xmlns:p="http://schemas.openxmlformats.org/presentationml/2006/main">
   <p:cSld>
     <p:spTree>
       <p:nvGrpSpPr>
@@ -4343,7 +4161,7 @@
         <p:nvSpPr>
           <p:cNvPr id="2" name="Title 1"/>
           <p:cNvSpPr>
-            <a:spLocks noGrp="1"/>
+            <a:spLocks noGrp="true"/>
           </p:cNvSpPr>
           <p:nvPr>
             <p:ph type="title"/>
@@ -4364,7 +4182,7 @@
         <p:nvSpPr>
           <p:cNvPr id="3" name="Content Placeholder 2"/>
           <p:cNvSpPr>
-            <a:spLocks noGrp="1"/>
+            <a:spLocks noGrp="true"/>
           </p:cNvSpPr>
           <p:nvPr>
             <p:ph idx="1"/>
@@ -4404,7 +4222,7 @@
       <p:sp>
         <p:nvSpPr>
           <p:cNvPr id="4" name="TextBox 3"/>
-          <p:cNvSpPr txBox="1"/>
+          <p:cNvSpPr txBox="true"/>
           <p:nvPr/>
         </p:nvSpPr>
         <p:spPr>
@@ -4431,6 +4249,11 @@
               </a:rPr>
               <a:t>Copyright © 2021 by Elephant Scale, All Rights Reserved</a:t>
             </a:r>
+            <a:endParaRPr sz="800">
+              <a:solidFill>
+                <a:srgbClr val="000000"/>
+              </a:solidFill>
+            </a:endParaRPr>
           </a:p>
         </p:txBody>
       </p:sp>
@@ -4443,7 +4266,7 @@
 </file>
 
 <file path=ppt/slides/slide5.xml><?xml version="1.0" encoding="utf-8"?>
-<p:sld xmlns:a="http://schemas.openxmlformats.org/drawingml/2006/main" xmlns:p="http://schemas.openxmlformats.org/presentationml/2006/main" xmlns:r="http://schemas.openxmlformats.org/officeDocument/2006/relationships">
+<p:sld xmlns:a="http://schemas.openxmlformats.org/drawingml/2006/main" xmlns:r="http://schemas.openxmlformats.org/officeDocument/2006/relationships" xmlns:p="http://schemas.openxmlformats.org/presentationml/2006/main">
   <p:cSld>
     <p:spTree>
       <p:nvGrpSpPr>
@@ -4456,7 +4279,7 @@
         <p:nvSpPr>
           <p:cNvPr id="2" name="Title 1"/>
           <p:cNvSpPr>
-            <a:spLocks noGrp="1"/>
+            <a:spLocks noGrp="true"/>
           </p:cNvSpPr>
           <p:nvPr>
             <p:ph type="title"/>
@@ -4477,7 +4300,7 @@
         <p:nvSpPr>
           <p:cNvPr id="3" name="Content Placeholder 2"/>
           <p:cNvSpPr>
-            <a:spLocks noGrp="1"/>
+            <a:spLocks noGrp="true"/>
           </p:cNvSpPr>
           <p:nvPr>
             <p:ph idx="1"/>
@@ -4522,7 +4345,7 @@
       <p:sp>
         <p:nvSpPr>
           <p:cNvPr id="4" name="TextBox 3"/>
-          <p:cNvSpPr txBox="1"/>
+          <p:cNvSpPr txBox="true"/>
           <p:nvPr/>
         </p:nvSpPr>
         <p:spPr>
@@ -4549,6 +4372,11 @@
               </a:rPr>
               <a:t>Copyright © 2021 by Elephant Scale, All Rights Reserved</a:t>
             </a:r>
+            <a:endParaRPr sz="800">
+              <a:solidFill>
+                <a:srgbClr val="000000"/>
+              </a:solidFill>
+            </a:endParaRPr>
           </a:p>
         </p:txBody>
       </p:sp>
@@ -4556,12 +4384,12 @@
         <p:nvPicPr>
           <p:cNvPr id="5" name="Picture 4" descr="computer-rack-pexels-photo-442150.jpeg"/>
           <p:cNvPicPr>
-            <a:picLocks noChangeAspect="1"/>
+            <a:picLocks noChangeAspect="true"/>
           </p:cNvPicPr>
           <p:nvPr/>
         </p:nvPicPr>
         <p:blipFill>
-          <a:blip r:embed="rId2"/>
+          <a:blip r:embed="rId1"/>
           <a:stretch>
             <a:fillRect/>
           </a:stretch>
@@ -4585,7 +4413,7 @@
 </file>
 
 <file path=ppt/slides/slide6.xml><?xml version="1.0" encoding="utf-8"?>
-<p:sld xmlns:a="http://schemas.openxmlformats.org/drawingml/2006/main" xmlns:p="http://schemas.openxmlformats.org/presentationml/2006/main" xmlns:r="http://schemas.openxmlformats.org/officeDocument/2006/relationships">
+<p:sld xmlns:a="http://schemas.openxmlformats.org/drawingml/2006/main" xmlns:r="http://schemas.openxmlformats.org/officeDocument/2006/relationships" xmlns:p="http://schemas.openxmlformats.org/presentationml/2006/main">
   <p:cSld>
     <p:spTree>
       <p:nvGrpSpPr>
@@ -4598,7 +4426,7 @@
         <p:nvSpPr>
           <p:cNvPr id="2" name="Title 1"/>
           <p:cNvSpPr>
-            <a:spLocks noGrp="1"/>
+            <a:spLocks noGrp="true"/>
           </p:cNvSpPr>
           <p:nvPr>
             <p:ph type="title"/>
@@ -4619,7 +4447,7 @@
         <p:nvSpPr>
           <p:cNvPr id="3" name="Content Placeholder 2"/>
           <p:cNvSpPr>
-            <a:spLocks noGrp="1"/>
+            <a:spLocks noGrp="true"/>
           </p:cNvSpPr>
           <p:nvPr>
             <p:ph idx="1"/>
@@ -4664,33 +4492,16 @@
             </a:r>
           </a:p>
           <a:p>
-            <a:r>
-              <a:t> What if I do not have teams of admins, devs, ops?</a:t>
-            </a:r>
-          </a:p>
-          <a:p>
-            <a:r>
-              <a:t> Say, my team is a multi-skilled group at a university?</a:t>
-            </a:r>
-          </a:p>
-          <a:p>
-            <a:pPr lvl="1"/>
-            <a:r>
-              <a:t> DevOps as a movement is popular here as well, if not more</a:t>
-            </a:r>
-          </a:p>
-          <a:p>
-            <a:pPr lvl="1"/>
-            <a:r>
-              <a:t> Borrowing on the ideas from the enterprise folks</a:t>
-            </a:r>
+            <a:pPr marL="0" indent="0">
+              <a:buNone/>
+            </a:pPr>
           </a:p>
         </p:txBody>
       </p:sp>
       <p:sp>
         <p:nvSpPr>
           <p:cNvPr id="4" name="TextBox 3"/>
-          <p:cNvSpPr txBox="1"/>
+          <p:cNvSpPr txBox="true"/>
           <p:nvPr/>
         </p:nvSpPr>
         <p:spPr>
@@ -4717,6 +4528,11 @@
               </a:rPr>
               <a:t>Copyright © 2021 by Elephant Scale, All Rights Reserved</a:t>
             </a:r>
+            <a:endParaRPr sz="800">
+              <a:solidFill>
+                <a:srgbClr val="000000"/>
+              </a:solidFill>
+            </a:endParaRPr>
           </a:p>
         </p:txBody>
       </p:sp>
@@ -4729,7 +4545,7 @@
 </file>
 
 <file path=ppt/slides/slide7.xml><?xml version="1.0" encoding="utf-8"?>
-<p:sld xmlns:a="http://schemas.openxmlformats.org/drawingml/2006/main" xmlns:p="http://schemas.openxmlformats.org/presentationml/2006/main" xmlns:r="http://schemas.openxmlformats.org/officeDocument/2006/relationships">
+<p:sld xmlns:a="http://schemas.openxmlformats.org/drawingml/2006/main" xmlns:r="http://schemas.openxmlformats.org/officeDocument/2006/relationships" xmlns:p="http://schemas.openxmlformats.org/presentationml/2006/main">
   <p:cSld>
     <p:spTree>
       <p:nvGrpSpPr>
@@ -4742,7 +4558,7 @@
         <p:nvSpPr>
           <p:cNvPr id="2" name="Title 1"/>
           <p:cNvSpPr>
-            <a:spLocks noGrp="1"/>
+            <a:spLocks noGrp="true"/>
           </p:cNvSpPr>
           <p:nvPr>
             <p:ph type="title"/>
@@ -4763,7 +4579,7 @@
         <p:nvSpPr>
           <p:cNvPr id="3" name="Content Placeholder 2"/>
           <p:cNvSpPr>
-            <a:spLocks noGrp="1"/>
+            <a:spLocks noGrp="true"/>
           </p:cNvSpPr>
           <p:nvPr>
             <p:ph idx="1"/>
@@ -4832,21 +4648,19 @@
               <a:rPr b="1"/>
               <a:t> lifestyle</a:t>
             </a:r>
-          </a:p>
-          <a:p>
-            <a:r>
-              <a:t> In research - ResearchOps in next</a:t>
-            </a:r>
-            <a:r>
-              <a:t> </a:t>
-            </a:r>
+            <a:endParaRPr b="1"/>
+          </a:p>
+          <a:p>
+            <a:pPr marL="0" indent="0">
+              <a:buNone/>
+            </a:pPr>
           </a:p>
         </p:txBody>
       </p:sp>
       <p:sp>
         <p:nvSpPr>
           <p:cNvPr id="4" name="TextBox 3"/>
-          <p:cNvSpPr txBox="1"/>
+          <p:cNvSpPr txBox="true"/>
           <p:nvPr/>
         </p:nvSpPr>
         <p:spPr>
@@ -4873,6 +4687,11 @@
               </a:rPr>
               <a:t>Copyright © 2021 by Elephant Scale, All Rights Reserved</a:t>
             </a:r>
+            <a:endParaRPr sz="800">
+              <a:solidFill>
+                <a:srgbClr val="000000"/>
+              </a:solidFill>
+            </a:endParaRPr>
           </a:p>
         </p:txBody>
       </p:sp>
@@ -4885,7 +4704,7 @@
 </file>
 
 <file path=ppt/slides/slide8.xml><?xml version="1.0" encoding="utf-8"?>
-<p:sld xmlns:a="http://schemas.openxmlformats.org/drawingml/2006/main" xmlns:p="http://schemas.openxmlformats.org/presentationml/2006/main" xmlns:r="http://schemas.openxmlformats.org/officeDocument/2006/relationships">
+<p:sld xmlns:a="http://schemas.openxmlformats.org/drawingml/2006/main" xmlns:r="http://schemas.openxmlformats.org/officeDocument/2006/relationships" xmlns:p="http://schemas.openxmlformats.org/presentationml/2006/main">
   <p:cSld>
     <p:spTree>
       <p:nvGrpSpPr>
@@ -4898,7 +4717,7 @@
         <p:nvSpPr>
           <p:cNvPr id="2" name="Title 1"/>
           <p:cNvSpPr>
-            <a:spLocks noGrp="1"/>
+            <a:spLocks noGrp="true"/>
           </p:cNvSpPr>
           <p:nvPr>
             <p:ph type="title"/>
@@ -4910,7 +4729,7 @@
           <a:lstStyle/>
           <a:p>
             <a:r>
-              <a:t>ResearchOps</a:t>
+              <a:t>What Is Infrastructure as Code?</a:t>
             </a:r>
           </a:p>
         </p:txBody>
@@ -4919,7 +4738,7 @@
         <p:nvSpPr>
           <p:cNvPr id="3" name="Content Placeholder 2"/>
           <p:cNvSpPr>
-            <a:spLocks noGrp="1"/>
+            <a:spLocks noGrp="true"/>
           </p:cNvSpPr>
           <p:nvPr>
             <p:ph idx="1"/>
@@ -4931,37 +4750,37 @@
           <a:lstStyle/>
           <a:p>
             <a:r>
-              <a:t> IBM paper</a:t>
+              <a:t> There are five broad categories of IAC tools:</a:t>
             </a:r>
           </a:p>
           <a:p>
             <a:pPr lvl="1"/>
             <a:r>
-              <a:t> "ResearchOps: The case for DevOps in scientific applications"</a:t>
+              <a:t> Ad hoc scripts</a:t>
             </a:r>
           </a:p>
           <a:p>
             <a:pPr lvl="1"/>
             <a:r>
-              <a:t> Real-life projects at the IBM Research Brazil Lab</a:t>
+              <a:t> Configuration management tools</a:t>
             </a:r>
           </a:p>
           <a:p>
             <a:pPr lvl="1"/>
             <a:r>
-              <a:t> May just as well apply to other research institutions</a:t>
+              <a:t> Server templating tools</a:t>
             </a:r>
           </a:p>
           <a:p>
             <a:pPr lvl="1"/>
             <a:r>
-              <a:rPr>
-                <a:hlinkClick r:id="rId2"/>
-              </a:rPr>
-              <a:t> Paper link</a:t>
-            </a:r>
-            <a:r>
-              <a:t> </a:t>
+              <a:t> Orchestration tools</a:t>
+            </a:r>
+          </a:p>
+          <a:p>
+            <a:pPr lvl="1"/>
+            <a:r>
+              <a:t> Provisioning tools</a:t>
             </a:r>
           </a:p>
         </p:txBody>
@@ -4969,7 +4788,7 @@
       <p:sp>
         <p:nvSpPr>
           <p:cNvPr id="4" name="TextBox 3"/>
-          <p:cNvSpPr txBox="1"/>
+          <p:cNvSpPr txBox="true"/>
           <p:nvPr/>
         </p:nvSpPr>
         <p:spPr>
@@ -4996,6 +4815,11 @@
               </a:rPr>
               <a:t>Copyright © 2021 by Elephant Scale, All Rights Reserved</a:t>
             </a:r>
+            <a:endParaRPr sz="800">
+              <a:solidFill>
+                <a:srgbClr val="000000"/>
+              </a:solidFill>
+            </a:endParaRPr>
           </a:p>
         </p:txBody>
       </p:sp>
@@ -5008,7 +4832,7 @@
 </file>
 
 <file path=ppt/slides/slide9.xml><?xml version="1.0" encoding="utf-8"?>
-<p:sld xmlns:a="http://schemas.openxmlformats.org/drawingml/2006/main" xmlns:p="http://schemas.openxmlformats.org/presentationml/2006/main" xmlns:r="http://schemas.openxmlformats.org/officeDocument/2006/relationships">
+<p:sld xmlns:a="http://schemas.openxmlformats.org/drawingml/2006/main" xmlns:r="http://schemas.openxmlformats.org/officeDocument/2006/relationships" xmlns:p="http://schemas.openxmlformats.org/presentationml/2006/main">
   <p:cSld>
     <p:spTree>
       <p:nvGrpSpPr>
@@ -5021,7 +4845,7 @@
         <p:nvSpPr>
           <p:cNvPr id="2" name="Title 1"/>
           <p:cNvSpPr>
-            <a:spLocks noGrp="1"/>
+            <a:spLocks noGrp="true"/>
           </p:cNvSpPr>
           <p:nvPr>
             <p:ph type="title"/>
@@ -5033,7 +4857,7 @@
           <a:lstStyle/>
           <a:p>
             <a:r>
-              <a:t>What Is Infrastructure as Code?</a:t>
+              <a:t>Ad Hoc Scripts</a:t>
             </a:r>
           </a:p>
         </p:txBody>
@@ -5042,7 +4866,7 @@
         <p:nvSpPr>
           <p:cNvPr id="3" name="Content Placeholder 2"/>
           <p:cNvSpPr>
-            <a:spLocks noGrp="1"/>
+            <a:spLocks noGrp="true"/>
           </p:cNvSpPr>
           <p:nvPr>
             <p:ph idx="1"/>
@@ -5052,47 +4876,26 @@
         <p:txBody>
           <a:bodyPr/>
           <a:lstStyle/>
-          <a:p>
-            <a:r>
-              <a:t> There are five broad categories of IAC tools:</a:t>
-            </a:r>
-          </a:p>
-          <a:p>
-            <a:pPr lvl="1"/>
-            <a:r>
-              <a:t> Ad hoc scripts</a:t>
-            </a:r>
-          </a:p>
-          <a:p>
-            <a:pPr lvl="1"/>
-            <a:r>
-              <a:t> Configuration management tools</a:t>
-            </a:r>
-          </a:p>
-          <a:p>
-            <a:pPr lvl="1"/>
-            <a:r>
-              <a:t> Server templating tools</a:t>
-            </a:r>
-          </a:p>
-          <a:p>
-            <a:pPr lvl="1"/>
-            <a:r>
-              <a:t> Orchestration tools</a:t>
-            </a:r>
-          </a:p>
-          <a:p>
-            <a:pPr lvl="1"/>
-            <a:r>
-              <a:t> Provisioning tools</a:t>
-            </a:r>
-          </a:p>
+          <a:p/>
+          <a:p/>
+          <a:p/>
+          <a:p/>
+          <a:p/>
+          <a:p/>
+          <a:p/>
+          <a:p/>
+          <a:p/>
+          <a:p/>
+          <a:p/>
+          <a:p/>
+          <a:p/>
+          <a:p/>
         </p:txBody>
       </p:sp>
       <p:sp>
         <p:nvSpPr>
           <p:cNvPr id="4" name="TextBox 3"/>
-          <p:cNvSpPr txBox="1"/>
+          <p:cNvSpPr txBox="true"/>
           <p:nvPr/>
         </p:nvSpPr>
         <p:spPr>
@@ -5119,9 +4922,38 @@
               </a:rPr>
               <a:t>Copyright © 2021 by Elephant Scale, All Rights Reserved</a:t>
             </a:r>
-          </a:p>
-        </p:txBody>
-      </p:sp>
+            <a:endParaRPr sz="800">
+              <a:solidFill>
+                <a:srgbClr val="000000"/>
+              </a:solidFill>
+            </a:endParaRPr>
+          </a:p>
+        </p:txBody>
+      </p:sp>
+      <p:pic>
+        <p:nvPicPr>
+          <p:cNvPr id="5" name="Picture 4" descr="ad-hoc-script.png"/>
+          <p:cNvPicPr>
+            <a:picLocks noChangeAspect="true"/>
+          </p:cNvPicPr>
+          <p:nvPr/>
+        </p:nvPicPr>
+        <p:blipFill>
+          <a:blip r:embed="rId1"/>
+          <a:stretch>
+            <a:fillRect/>
+          </a:stretch>
+        </p:blipFill>
+        <p:spPr>
+          <a:xfrm>
+            <a:off x="704088" y="914400"/>
+            <a:ext cx="7507224" cy="4930117"/>
+          </a:xfrm>
+          <a:prstGeom prst="rect">
+            <a:avLst/>
+          </a:prstGeom>
+        </p:spPr>
+      </p:pic>
     </p:spTree>
   </p:cSld>
   <p:clrMapOvr>
@@ -5188,7 +5020,7 @@
         <a:solidFill>
           <a:schemeClr val="phClr"/>
         </a:solidFill>
-        <a:gradFill rotWithShape="1">
+        <a:gradFill rotWithShape="true">
           <a:gsLst>
             <a:gs pos="0">
               <a:schemeClr val="phClr">
@@ -5209,9 +5041,9 @@
               </a:schemeClr>
             </a:gs>
           </a:gsLst>
-          <a:lin ang="16200000" scaled="1"/>
+          <a:lin ang="16200000" scaled="true"/>
         </a:gradFill>
-        <a:gradFill rotWithShape="1">
+        <a:gradFill rotWithShape="true">
           <a:gsLst>
             <a:gs pos="0">
               <a:schemeClr val="phClr">
@@ -5228,7 +5060,7 @@
               </a:schemeClr>
             </a:gs>
           </a:gsLst>
-          <a:lin ang="16200000" scaled="0"/>
+          <a:lin ang="16200000" scaled="false"/>
         </a:gradFill>
       </a:fillStyleLst>
       <a:lnStyleLst>
@@ -5298,7 +5130,7 @@
         <a:solidFill>
           <a:schemeClr val="phClr"/>
         </a:solidFill>
-        <a:gradFill rotWithShape="1">
+        <a:gradFill rotWithShape="true">
           <a:gsLst>
             <a:gs pos="0">
               <a:schemeClr val="phClr">
@@ -5324,7 +5156,7 @@
             <a:fillToRect l="50000" t="-80000" r="50000" b="180000"/>
           </a:path>
         </a:gradFill>
-        <a:gradFill rotWithShape="1">
+        <a:gradFill rotWithShape="true">
           <a:gsLst>
             <a:gs pos="0">
               <a:schemeClr val="phClr">
@@ -5373,13 +5205,8 @@
           <a:headEnd type="none" w="med" len="med"/>
           <a:tailEnd type="none" w="med" len="med"/>
         </a:ln>
-        <a:effectLst/>
       </a:spPr>
-      <a:bodyPr vert="horz" wrap="square" lIns="91440" tIns="45720" rIns="91440" bIns="45720" numCol="1" anchor="t" anchorCtr="0" compatLnSpc="1">
-        <a:prstTxWarp prst="textNoShape">
-          <a:avLst/>
-        </a:prstTxWarp>
-      </a:bodyPr>
+      <a:bodyPr vert="horz" wrap="square" lIns="91440" tIns="45720" rIns="91440" bIns="45720" numCol="1" anchor="t" anchorCtr="false" compatLnSpc="true"/>
       <a:lstStyle>
         <a:defPPr marL="0" marR="0" indent="0" algn="ctr" defTabSz="914400" rtl="0" eaLnBrk="1" fontAlgn="base" latinLnBrk="0" hangingPunct="1">
           <a:lnSpc>
@@ -5395,7 +5222,6 @@
           <a:buSzTx/>
           <a:buFontTx/>
           <a:buNone/>
-          <a:tabLst/>
           <a:defRPr kumimoji="0" lang="en-US" sz="1000" b="0" i="0" u="none" strike="noStrike" cap="none" normalizeH="0" baseline="0">
             <a:ln>
               <a:noFill/>
@@ -5404,7 +5230,7 @@
               <a:schemeClr val="tx1"/>
             </a:solidFill>
             <a:effectLst/>
-            <a:latin typeface="Garamond" pitchFamily="-110" charset="0"/>
+            <a:latin typeface="Garamond" pitchFamily="18" charset="0"/>
           </a:defRPr>
         </a:defPPr>
       </a:lstStyle>
@@ -5435,13 +5261,8 @@
           <a:headEnd type="none" w="med" len="med"/>
           <a:tailEnd type="none" w="med" len="med"/>
         </a:ln>
-        <a:effectLst/>
       </a:spPr>
-      <a:bodyPr vert="horz" wrap="square" lIns="91440" tIns="45720" rIns="91440" bIns="45720" numCol="1" anchor="t" anchorCtr="0" compatLnSpc="1">
-        <a:prstTxWarp prst="textNoShape">
-          <a:avLst/>
-        </a:prstTxWarp>
-      </a:bodyPr>
+      <a:bodyPr vert="horz" wrap="square" lIns="91440" tIns="45720" rIns="91440" bIns="45720" numCol="1" anchor="t" anchorCtr="false" compatLnSpc="true"/>
       <a:lstStyle>
         <a:defPPr marL="0" marR="0" indent="0" algn="ctr" defTabSz="914400" rtl="0" eaLnBrk="1" fontAlgn="base" latinLnBrk="0" hangingPunct="1">
           <a:lnSpc>
@@ -5457,7 +5278,6 @@
           <a:buSzTx/>
           <a:buFontTx/>
           <a:buNone/>
-          <a:tabLst/>
           <a:defRPr kumimoji="0" lang="en-US" sz="1000" b="0" i="0" u="none" strike="noStrike" cap="none" normalizeH="0" baseline="0">
             <a:ln>
               <a:noFill/>
@@ -5466,7 +5286,7 @@
               <a:schemeClr val="tx1"/>
             </a:solidFill>
             <a:effectLst/>
-            <a:latin typeface="Garamond" pitchFamily="-110" charset="0"/>
+            <a:latin typeface="Garamond" pitchFamily="18" charset="0"/>
           </a:defRPr>
         </a:defPPr>
       </a:lstStyle>
@@ -5761,6 +5581,11 @@
       <a:clrMap bg1="dk2" tx1="lt1" bg2="dk1" tx2="lt2" accent1="accent1" accent2="accent2" accent3="accent3" accent4="accent4" accent5="accent5" accent6="accent6" hlink="hlink" folHlink="folHlink"/>
     </a:extraClrScheme>
   </a:extraClrSchemeLst>
+  <a:extLst>
+    <a:ext uri="{05A4C25C-085E-4340-85A3-A5531E510DB2}">
+      <thm15:themeFamily xmlns:thm15="http://schemas.microsoft.com/office/thememl/2012/main" name="Office Theme" id="{62F939B6-93AF-4DB8-9C6B-D6C7DFDC589F}" vid="{4A3C46E8-61CC-4603-A589-7422A47A8E4A}"/>
+    </a:ext>
+  </a:extLst>
 </a:theme>
 </file>
 
@@ -5880,7 +5705,7 @@
         <a:solidFill>
           <a:schemeClr val="phClr"/>
         </a:solidFill>
-        <a:gradFill rotWithShape="1">
+        <a:gradFill rotWithShape="true">
           <a:gsLst>
             <a:gs pos="0">
               <a:schemeClr val="phClr">
@@ -5901,9 +5726,9 @@
               </a:schemeClr>
             </a:gs>
           </a:gsLst>
-          <a:lin ang="16200000" scaled="1"/>
+          <a:lin ang="16200000" scaled="true"/>
         </a:gradFill>
-        <a:gradFill rotWithShape="1">
+        <a:gradFill rotWithShape="true">
           <a:gsLst>
             <a:gs pos="0">
               <a:schemeClr val="phClr">
@@ -5920,7 +5745,7 @@
               </a:schemeClr>
             </a:gs>
           </a:gsLst>
-          <a:lin ang="16200000" scaled="0"/>
+          <a:lin ang="16200000" scaled="false"/>
         </a:gradFill>
       </a:fillStyleLst>
       <a:lnStyleLst>
@@ -5990,7 +5815,7 @@
         <a:solidFill>
           <a:schemeClr val="phClr"/>
         </a:solidFill>
-        <a:gradFill rotWithShape="1">
+        <a:gradFill rotWithShape="true">
           <a:gsLst>
             <a:gs pos="0">
               <a:schemeClr val="phClr">
@@ -6016,7 +5841,7 @@
             <a:fillToRect l="50000" t="-80000" r="50000" b="180000"/>
           </a:path>
         </a:gradFill>
-        <a:gradFill rotWithShape="1">
+        <a:gradFill rotWithShape="true">
           <a:gsLst>
             <a:gs pos="0">
               <a:schemeClr val="phClr">
@@ -6078,7 +5903,11 @@
       </a:style>
     </a:lnDef>
   </a:objectDefaults>
-  <a:extraClrSchemeLst/>
+  <a:extLst>
+    <a:ext uri="{05A4C25C-085E-4340-85A3-A5531E510DB2}">
+      <thm15:themeFamily xmlns:thm15="http://schemas.microsoft.com/office/thememl/2012/main" name="Office Theme" id="{62F939B6-93AF-4DB8-9C6B-D6C7DFDC589F}" vid="{4A3C46E8-61CC-4603-A589-7422A47A8E4A}"/>
+    </a:ext>
+  </a:extLst>
 </a:theme>
 </file>
 
@@ -6198,7 +6027,7 @@
         <a:solidFill>
           <a:schemeClr val="phClr"/>
         </a:solidFill>
-        <a:gradFill rotWithShape="1">
+        <a:gradFill rotWithShape="true">
           <a:gsLst>
             <a:gs pos="0">
               <a:schemeClr val="phClr">
@@ -6219,9 +6048,9 @@
               </a:schemeClr>
             </a:gs>
           </a:gsLst>
-          <a:lin ang="16200000" scaled="1"/>
+          <a:lin ang="16200000" scaled="true"/>
         </a:gradFill>
-        <a:gradFill rotWithShape="1">
+        <a:gradFill rotWithShape="true">
           <a:gsLst>
             <a:gs pos="0">
               <a:schemeClr val="phClr">
@@ -6238,7 +6067,7 @@
               </a:schemeClr>
             </a:gs>
           </a:gsLst>
-          <a:lin ang="16200000" scaled="0"/>
+          <a:lin ang="16200000" scaled="false"/>
         </a:gradFill>
       </a:fillStyleLst>
       <a:lnStyleLst>
@@ -6308,7 +6137,7 @@
         <a:solidFill>
           <a:schemeClr val="phClr"/>
         </a:solidFill>
-        <a:gradFill rotWithShape="1">
+        <a:gradFill rotWithShape="true">
           <a:gsLst>
             <a:gs pos="0">
               <a:schemeClr val="phClr">
@@ -6334,7 +6163,7 @@
             <a:fillToRect l="50000" t="-80000" r="50000" b="180000"/>
           </a:path>
         </a:gradFill>
-        <a:gradFill rotWithShape="1">
+        <a:gradFill rotWithShape="true">
           <a:gsLst>
             <a:gs pos="0">
               <a:schemeClr val="phClr">
@@ -6396,6 +6225,10 @@
       </a:style>
     </a:lnDef>
   </a:objectDefaults>
-  <a:extraClrSchemeLst/>
+  <a:extLst>
+    <a:ext uri="{05A4C25C-085E-4340-85A3-A5531E510DB2}">
+      <thm15:themeFamily xmlns:thm15="http://schemas.microsoft.com/office/thememl/2012/main" name="Office Theme" id="{62F939B6-93AF-4DB8-9C6B-D6C7DFDC589F}" vid="{4A3C46E8-61CC-4603-A589-7422A47A8E4A}"/>
+    </a:ext>
+  </a:extLst>
 </a:theme>
 </file>